--- a/感謝神.pptx
+++ b/感謝神.pptx
@@ -13,7 +13,7 @@
     <p:sldId id="261" r:id="rId7"/>
     <p:sldId id="262" r:id="rId8"/>
   </p:sldIdLst>
-  <p:sldSz cx="9144000" cy="6858000" type="screen4x3"/>
+  <p:sldSz cx="12192000" cy="6858000"/>
   <p:notesSz cx="6858000" cy="9144000"/>
   <p:defaultTextStyle>
     <a:defPPr>
@@ -110,6 +110,22 @@
       </a:defRPr>
     </a:lvl9pPr>
   </p:defaultTextStyle>
+  <p:extLst>
+    <p:ext uri="{EFAFB233-063F-42B5-8137-9DF3F51BA10A}">
+      <p15:sldGuideLst xmlns:p15="http://schemas.microsoft.com/office/powerpoint/2012/main">
+        <p15:guide id="1" orient="horz" pos="2160" userDrawn="1">
+          <p15:clr>
+            <a:srgbClr val="A4A3A4"/>
+          </p15:clr>
+        </p15:guide>
+        <p15:guide id="2" pos="3840" userDrawn="1">
+          <p15:clr>
+            <a:srgbClr val="A4A3A4"/>
+          </p15:clr>
+        </p15:guide>
+      </p15:sldGuideLst>
+    </p:ext>
+  </p:extLst>
 </p:presentation>
 </file>
 
@@ -142,8 +158,8 @@
         </p:nvSpPr>
         <p:spPr>
           <a:xfrm>
-            <a:off x="685800" y="2130425"/>
-            <a:ext cx="7772400" cy="1470025"/>
+            <a:off x="914400" y="2130426"/>
+            <a:ext cx="10363200" cy="1470025"/>
           </a:xfrm>
         </p:spPr>
         <p:txBody>
@@ -170,8 +186,8 @@
         </p:nvSpPr>
         <p:spPr>
           <a:xfrm>
-            <a:off x="1371600" y="3886200"/>
-            <a:ext cx="6400800" cy="1752600"/>
+            <a:off x="1828800" y="3886200"/>
+            <a:ext cx="8534400" cy="1752600"/>
           </a:xfrm>
         </p:spPr>
         <p:txBody>
@@ -294,7 +310,7 @@
           <a:p>
             <a:fld id="{76B2E7AC-16E6-45CD-8C39-D1E431BD97A7}" type="datetimeFigureOut">
               <a:rPr lang="zh-TW" altLang="en-US" smtClean="0"/>
-              <a:t>2017/12/31</a:t>
+              <a:t>2020/3/14</a:t>
             </a:fld>
             <a:endParaRPr lang="zh-TW" altLang="en-US"/>
           </a:p>
@@ -459,7 +475,7 @@
           <a:p>
             <a:fld id="{76B2E7AC-16E6-45CD-8C39-D1E431BD97A7}" type="datetimeFigureOut">
               <a:rPr lang="zh-TW" altLang="en-US" smtClean="0"/>
-              <a:t>2017/12/31</a:t>
+              <a:t>2020/3/14</a:t>
             </a:fld>
             <a:endParaRPr lang="zh-TW" altLang="en-US"/>
           </a:p>
@@ -544,8 +560,8 @@
         </p:nvSpPr>
         <p:spPr>
           <a:xfrm>
-            <a:off x="6629400" y="274638"/>
-            <a:ext cx="2057400" cy="5851525"/>
+            <a:off x="8839200" y="274639"/>
+            <a:ext cx="2743200" cy="5851525"/>
           </a:xfrm>
         </p:spPr>
         <p:txBody>
@@ -572,8 +588,8 @@
         </p:nvSpPr>
         <p:spPr>
           <a:xfrm>
-            <a:off x="457200" y="274638"/>
-            <a:ext cx="6019800" cy="5851525"/>
+            <a:off x="609600" y="274639"/>
+            <a:ext cx="8026400" cy="5851525"/>
           </a:xfrm>
         </p:spPr>
         <p:txBody>
@@ -634,7 +650,7 @@
           <a:p>
             <a:fld id="{76B2E7AC-16E6-45CD-8C39-D1E431BD97A7}" type="datetimeFigureOut">
               <a:rPr lang="zh-TW" altLang="en-US" smtClean="0"/>
-              <a:t>2017/12/31</a:t>
+              <a:t>2020/3/14</a:t>
             </a:fld>
             <a:endParaRPr lang="zh-TW" altLang="en-US"/>
           </a:p>
@@ -799,7 +815,7 @@
           <a:p>
             <a:fld id="{76B2E7AC-16E6-45CD-8C39-D1E431BD97A7}" type="datetimeFigureOut">
               <a:rPr lang="zh-TW" altLang="en-US" smtClean="0"/>
-              <a:t>2017/12/31</a:t>
+              <a:t>2020/3/14</a:t>
             </a:fld>
             <a:endParaRPr lang="zh-TW" altLang="en-US"/>
           </a:p>
@@ -884,8 +900,8 @@
         </p:nvSpPr>
         <p:spPr>
           <a:xfrm>
-            <a:off x="722313" y="4406900"/>
-            <a:ext cx="7772400" cy="1362075"/>
+            <a:off x="963084" y="4406901"/>
+            <a:ext cx="10363200" cy="1362075"/>
           </a:xfrm>
         </p:spPr>
         <p:txBody>
@@ -916,8 +932,8 @@
         </p:nvSpPr>
         <p:spPr>
           <a:xfrm>
-            <a:off x="722313" y="2906713"/>
-            <a:ext cx="7772400" cy="1500187"/>
+            <a:off x="963084" y="2906713"/>
+            <a:ext cx="10363200" cy="1500187"/>
           </a:xfrm>
         </p:spPr>
         <p:txBody>
@@ -1040,7 +1056,7 @@
           <a:p>
             <a:fld id="{76B2E7AC-16E6-45CD-8C39-D1E431BD97A7}" type="datetimeFigureOut">
               <a:rPr lang="zh-TW" altLang="en-US" smtClean="0"/>
-              <a:t>2017/12/31</a:t>
+              <a:t>2020/3/14</a:t>
             </a:fld>
             <a:endParaRPr lang="zh-TW" altLang="en-US"/>
           </a:p>
@@ -1148,8 +1164,8 @@
         </p:nvSpPr>
         <p:spPr>
           <a:xfrm>
-            <a:off x="457200" y="1600200"/>
-            <a:ext cx="4038600" cy="4525963"/>
+            <a:off x="609600" y="1600201"/>
+            <a:ext cx="5384800" cy="4525963"/>
           </a:xfrm>
         </p:spPr>
         <p:txBody>
@@ -1233,8 +1249,8 @@
         </p:nvSpPr>
         <p:spPr>
           <a:xfrm>
-            <a:off x="4648200" y="1600200"/>
-            <a:ext cx="4038600" cy="4525963"/>
+            <a:off x="6197600" y="1600201"/>
+            <a:ext cx="5384800" cy="4525963"/>
           </a:xfrm>
         </p:spPr>
         <p:txBody>
@@ -1323,7 +1339,7 @@
           <a:p>
             <a:fld id="{76B2E7AC-16E6-45CD-8C39-D1E431BD97A7}" type="datetimeFigureOut">
               <a:rPr lang="zh-TW" altLang="en-US" smtClean="0"/>
-              <a:t>2017/12/31</a:t>
+              <a:t>2020/3/14</a:t>
             </a:fld>
             <a:endParaRPr lang="zh-TW" altLang="en-US"/>
           </a:p>
@@ -1435,8 +1451,8 @@
         </p:nvSpPr>
         <p:spPr>
           <a:xfrm>
-            <a:off x="457200" y="1535113"/>
-            <a:ext cx="4040188" cy="639762"/>
+            <a:off x="609600" y="1535113"/>
+            <a:ext cx="5386917" cy="639762"/>
           </a:xfrm>
         </p:spPr>
         <p:txBody>
@@ -1500,8 +1516,8 @@
         </p:nvSpPr>
         <p:spPr>
           <a:xfrm>
-            <a:off x="457200" y="2174875"/>
-            <a:ext cx="4040188" cy="3951288"/>
+            <a:off x="609600" y="2174875"/>
+            <a:ext cx="5386917" cy="3951288"/>
           </a:xfrm>
         </p:spPr>
         <p:txBody>
@@ -1585,8 +1601,8 @@
         </p:nvSpPr>
         <p:spPr>
           <a:xfrm>
-            <a:off x="4645025" y="1535113"/>
-            <a:ext cx="4041775" cy="639762"/>
+            <a:off x="6193368" y="1535113"/>
+            <a:ext cx="5389033" cy="639762"/>
           </a:xfrm>
         </p:spPr>
         <p:txBody>
@@ -1650,8 +1666,8 @@
         </p:nvSpPr>
         <p:spPr>
           <a:xfrm>
-            <a:off x="4645025" y="2174875"/>
-            <a:ext cx="4041775" cy="3951288"/>
+            <a:off x="6193368" y="2174875"/>
+            <a:ext cx="5389033" cy="3951288"/>
           </a:xfrm>
         </p:spPr>
         <p:txBody>
@@ -1740,7 +1756,7 @@
           <a:p>
             <a:fld id="{76B2E7AC-16E6-45CD-8C39-D1E431BD97A7}" type="datetimeFigureOut">
               <a:rPr lang="zh-TW" altLang="en-US" smtClean="0"/>
-              <a:t>2017/12/31</a:t>
+              <a:t>2020/3/14</a:t>
             </a:fld>
             <a:endParaRPr lang="zh-TW" altLang="en-US"/>
           </a:p>
@@ -1853,7 +1869,7 @@
           <a:p>
             <a:fld id="{76B2E7AC-16E6-45CD-8C39-D1E431BD97A7}" type="datetimeFigureOut">
               <a:rPr lang="zh-TW" altLang="en-US" smtClean="0"/>
-              <a:t>2017/12/31</a:t>
+              <a:t>2020/3/14</a:t>
             </a:fld>
             <a:endParaRPr lang="zh-TW" altLang="en-US"/>
           </a:p>
@@ -1943,7 +1959,7 @@
           <a:p>
             <a:fld id="{76B2E7AC-16E6-45CD-8C39-D1E431BD97A7}" type="datetimeFigureOut">
               <a:rPr lang="zh-TW" altLang="en-US" smtClean="0"/>
-              <a:t>2017/12/31</a:t>
+              <a:t>2020/3/14</a:t>
             </a:fld>
             <a:endParaRPr lang="zh-TW" altLang="en-US"/>
           </a:p>
@@ -2028,8 +2044,8 @@
         </p:nvSpPr>
         <p:spPr>
           <a:xfrm>
-            <a:off x="457200" y="273050"/>
-            <a:ext cx="3008313" cy="1162050"/>
+            <a:off x="609601" y="273050"/>
+            <a:ext cx="4011084" cy="1162050"/>
           </a:xfrm>
         </p:spPr>
         <p:txBody>
@@ -2060,8 +2076,8 @@
         </p:nvSpPr>
         <p:spPr>
           <a:xfrm>
-            <a:off x="3575050" y="273050"/>
-            <a:ext cx="5111750" cy="5853113"/>
+            <a:off x="4766733" y="273051"/>
+            <a:ext cx="6815667" cy="5853113"/>
           </a:xfrm>
         </p:spPr>
         <p:txBody>
@@ -2145,8 +2161,8 @@
         </p:nvSpPr>
         <p:spPr>
           <a:xfrm>
-            <a:off x="457200" y="1435100"/>
-            <a:ext cx="3008313" cy="4691063"/>
+            <a:off x="609601" y="1435101"/>
+            <a:ext cx="4011084" cy="4691063"/>
           </a:xfrm>
         </p:spPr>
         <p:txBody>
@@ -2215,7 +2231,7 @@
           <a:p>
             <a:fld id="{76B2E7AC-16E6-45CD-8C39-D1E431BD97A7}" type="datetimeFigureOut">
               <a:rPr lang="zh-TW" altLang="en-US" smtClean="0"/>
-              <a:t>2017/12/31</a:t>
+              <a:t>2020/3/14</a:t>
             </a:fld>
             <a:endParaRPr lang="zh-TW" altLang="en-US"/>
           </a:p>
@@ -2300,8 +2316,8 @@
         </p:nvSpPr>
         <p:spPr>
           <a:xfrm>
-            <a:off x="1792288" y="4800600"/>
-            <a:ext cx="5486400" cy="566738"/>
+            <a:off x="2389717" y="4800600"/>
+            <a:ext cx="7315200" cy="566738"/>
           </a:xfrm>
         </p:spPr>
         <p:txBody>
@@ -2332,8 +2348,8 @@
         </p:nvSpPr>
         <p:spPr>
           <a:xfrm>
-            <a:off x="1792288" y="612775"/>
-            <a:ext cx="5486400" cy="4114800"/>
+            <a:off x="2389717" y="612775"/>
+            <a:ext cx="7315200" cy="4114800"/>
           </a:xfrm>
         </p:spPr>
         <p:txBody>
@@ -2397,8 +2413,8 @@
         </p:nvSpPr>
         <p:spPr>
           <a:xfrm>
-            <a:off x="1792288" y="5367338"/>
-            <a:ext cx="5486400" cy="804862"/>
+            <a:off x="2389717" y="5367338"/>
+            <a:ext cx="7315200" cy="804862"/>
           </a:xfrm>
         </p:spPr>
         <p:txBody>
@@ -2467,7 +2483,7 @@
           <a:p>
             <a:fld id="{76B2E7AC-16E6-45CD-8C39-D1E431BD97A7}" type="datetimeFigureOut">
               <a:rPr lang="zh-TW" altLang="en-US" smtClean="0"/>
-              <a:t>2017/12/31</a:t>
+              <a:t>2020/3/14</a:t>
             </a:fld>
             <a:endParaRPr lang="zh-TW" altLang="en-US"/>
           </a:p>
@@ -2562,8 +2578,8 @@
         </p:nvSpPr>
         <p:spPr>
           <a:xfrm>
-            <a:off x="457200" y="274638"/>
-            <a:ext cx="8229600" cy="1143000"/>
+            <a:off x="609600" y="274638"/>
+            <a:ext cx="10972800" cy="1143000"/>
           </a:xfrm>
           <a:prstGeom prst="rect">
             <a:avLst/>
@@ -2595,8 +2611,8 @@
         </p:nvSpPr>
         <p:spPr>
           <a:xfrm>
-            <a:off x="457200" y="1600200"/>
-            <a:ext cx="8229600" cy="4525963"/>
+            <a:off x="609600" y="1600201"/>
+            <a:ext cx="10972800" cy="4525963"/>
           </a:xfrm>
           <a:prstGeom prst="rect">
             <a:avLst/>
@@ -2657,8 +2673,8 @@
         </p:nvSpPr>
         <p:spPr>
           <a:xfrm>
-            <a:off x="457200" y="6356350"/>
-            <a:ext cx="2133600" cy="365125"/>
+            <a:off x="609600" y="6356351"/>
+            <a:ext cx="2844800" cy="365125"/>
           </a:xfrm>
           <a:prstGeom prst="rect">
             <a:avLst/>
@@ -2680,7 +2696,7 @@
           <a:p>
             <a:fld id="{76B2E7AC-16E6-45CD-8C39-D1E431BD97A7}" type="datetimeFigureOut">
               <a:rPr lang="zh-TW" altLang="en-US" smtClean="0"/>
-              <a:t>2017/12/31</a:t>
+              <a:t>2020/3/14</a:t>
             </a:fld>
             <a:endParaRPr lang="zh-TW" altLang="en-US"/>
           </a:p>
@@ -2698,8 +2714,8 @@
         </p:nvSpPr>
         <p:spPr>
           <a:xfrm>
-            <a:off x="3124200" y="6356350"/>
-            <a:ext cx="2895600" cy="365125"/>
+            <a:off x="4165600" y="6356351"/>
+            <a:ext cx="3860800" cy="365125"/>
           </a:xfrm>
           <a:prstGeom prst="rect">
             <a:avLst/>
@@ -2735,8 +2751,8 @@
         </p:nvSpPr>
         <p:spPr>
           <a:xfrm>
-            <a:off x="6553200" y="6356350"/>
-            <a:ext cx="2133600" cy="365125"/>
+            <a:off x="8737600" y="6356351"/>
+            <a:ext cx="2844800" cy="365125"/>
           </a:xfrm>
           <a:prstGeom prst="rect">
             <a:avLst/>
@@ -3116,7 +3132,7 @@
               <a:t>感謝神賜我救贖</a:t>
             </a:r>
             <a:r>
-              <a:rPr lang="zh-TW" altLang="en-US" sz="5400" b="1" dirty="0" smtClean="0">
+              <a:rPr lang="zh-TW" altLang="en-US" sz="5400" b="1" dirty="0">
                 <a:solidFill>
                   <a:srgbClr val="000066"/>
                 </a:solidFill>
@@ -3138,7 +3154,7 @@
               <a:buNone/>
             </a:pPr>
             <a:r>
-              <a:rPr lang="zh-TW" altLang="en-US" sz="5400" b="1" dirty="0" smtClean="0">
+              <a:rPr lang="zh-TW" altLang="en-US" sz="5400" b="1" dirty="0">
                 <a:solidFill>
                   <a:srgbClr val="000066"/>
                 </a:solidFill>
@@ -3158,7 +3174,7 @@
               <a:t>神豐富</a:t>
             </a:r>
             <a:r>
-              <a:rPr lang="zh-TW" altLang="en-US" sz="5400" b="1" dirty="0" smtClean="0">
+              <a:rPr lang="zh-TW" altLang="en-US" sz="5400" b="1" dirty="0">
                 <a:solidFill>
                   <a:srgbClr val="000066"/>
                 </a:solidFill>
@@ -3180,7 +3196,7 @@
               <a:buNone/>
             </a:pPr>
             <a:r>
-              <a:rPr lang="zh-TW" altLang="en-US" sz="5400" b="1" dirty="0" smtClean="0">
+              <a:rPr lang="zh-TW" altLang="en-US" sz="5400" b="1" dirty="0">
                 <a:solidFill>
                   <a:srgbClr val="000066"/>
                 </a:solidFill>
@@ -3200,7 +3216,7 @@
               <a:t>神常與我同</a:t>
             </a:r>
             <a:r>
-              <a:rPr lang="zh-TW" altLang="en-US" sz="5400" b="1" dirty="0" smtClean="0">
+              <a:rPr lang="zh-TW" altLang="en-US" sz="5400" b="1" dirty="0">
                 <a:solidFill>
                   <a:srgbClr val="000066"/>
                 </a:solidFill>
@@ -3222,7 +3238,7 @@
               <a:buNone/>
             </a:pPr>
             <a:r>
-              <a:rPr lang="zh-TW" altLang="en-US" sz="5400" b="1" dirty="0" smtClean="0">
+              <a:rPr lang="zh-TW" altLang="en-US" sz="5400" b="1" dirty="0">
                 <a:solidFill>
                   <a:srgbClr val="000066"/>
                 </a:solidFill>
@@ -3325,7 +3341,7 @@
               <a:buNone/>
             </a:pPr>
             <a:r>
-              <a:rPr lang="zh-TW" altLang="en-US" sz="5400" b="1" dirty="0" smtClean="0">
+              <a:rPr lang="zh-TW" altLang="en-US" sz="5400" b="1" dirty="0">
                 <a:solidFill>
                   <a:srgbClr val="000066"/>
                 </a:solidFill>
@@ -3334,7 +3350,7 @@
               </a:rPr>
               <a:t>感謝神賜溫暖春天</a:t>
             </a:r>
-            <a:endParaRPr lang="en-US" altLang="zh-TW" sz="5400" b="1" dirty="0" smtClean="0">
+            <a:endParaRPr lang="en-US" altLang="zh-TW" sz="5400" b="1" dirty="0">
               <a:solidFill>
                 <a:srgbClr val="000066"/>
               </a:solidFill>
@@ -3347,7 +3363,7 @@
               <a:buNone/>
             </a:pPr>
             <a:r>
-              <a:rPr lang="zh-TW" altLang="en-US" sz="5400" b="1" dirty="0" smtClean="0">
+              <a:rPr lang="zh-TW" altLang="en-US" sz="5400" b="1" dirty="0">
                 <a:solidFill>
                   <a:srgbClr val="000066"/>
                 </a:solidFill>
@@ -3356,7 +3372,7 @@
               </a:rPr>
               <a:t>感謝神凄涼秋景</a:t>
             </a:r>
-            <a:endParaRPr lang="en-US" altLang="zh-TW" sz="5400" b="1" dirty="0" smtClean="0">
+            <a:endParaRPr lang="en-US" altLang="zh-TW" sz="5400" b="1" dirty="0">
               <a:solidFill>
                 <a:srgbClr val="000066"/>
               </a:solidFill>
@@ -3369,7 +3385,7 @@
               <a:buNone/>
             </a:pPr>
             <a:r>
-              <a:rPr lang="zh-TW" altLang="en-US" sz="5400" b="1" dirty="0" smtClean="0">
+              <a:rPr lang="zh-TW" altLang="en-US" sz="5400" b="1" dirty="0">
                 <a:solidFill>
                   <a:srgbClr val="000066"/>
                 </a:solidFill>
@@ -3378,7 +3394,7 @@
               </a:rPr>
               <a:t>感謝神抹乾我眼淚</a:t>
             </a:r>
-            <a:endParaRPr lang="en-US" altLang="zh-TW" sz="5400" b="1" dirty="0" smtClean="0">
+            <a:endParaRPr lang="en-US" altLang="zh-TW" sz="5400" b="1" dirty="0">
               <a:solidFill>
                 <a:srgbClr val="000066"/>
               </a:solidFill>
@@ -3391,7 +3407,7 @@
               <a:buNone/>
             </a:pPr>
             <a:r>
-              <a:rPr lang="zh-TW" altLang="en-US" sz="5400" b="1" dirty="0" smtClean="0">
+              <a:rPr lang="zh-TW" altLang="en-US" sz="5400" b="1" dirty="0">
                 <a:solidFill>
                   <a:srgbClr val="000066"/>
                 </a:solidFill>
@@ -3484,7 +3500,7 @@
               <a:buNone/>
             </a:pPr>
             <a:r>
-              <a:rPr lang="zh-TW" altLang="en-US" sz="5400" b="1" dirty="0" smtClean="0">
+              <a:rPr lang="zh-TW" altLang="en-US" sz="5400" b="1" dirty="0">
                 <a:solidFill>
                   <a:srgbClr val="000066"/>
                 </a:solidFill>
@@ -3493,7 +3509,7 @@
               </a:rPr>
               <a:t>感謝神禱告蒙應允</a:t>
             </a:r>
-            <a:endParaRPr lang="en-US" altLang="zh-TW" sz="5400" b="1" dirty="0" smtClean="0">
+            <a:endParaRPr lang="en-US" altLang="zh-TW" sz="5400" b="1" dirty="0">
               <a:solidFill>
                 <a:srgbClr val="000066"/>
               </a:solidFill>
@@ -3506,7 +3522,7 @@
               <a:buNone/>
             </a:pPr>
             <a:r>
-              <a:rPr lang="zh-TW" altLang="en-US" sz="5400" b="1" dirty="0" smtClean="0">
+              <a:rPr lang="zh-TW" altLang="en-US" sz="5400" b="1" dirty="0">
                 <a:solidFill>
                   <a:srgbClr val="000066"/>
                 </a:solidFill>
@@ -3515,7 +3531,7 @@
               </a:rPr>
               <a:t>感謝神禱告不聽</a:t>
             </a:r>
-            <a:endParaRPr lang="en-US" altLang="zh-TW" sz="5400" b="1" dirty="0" smtClean="0">
+            <a:endParaRPr lang="en-US" altLang="zh-TW" sz="5400" b="1" dirty="0">
               <a:solidFill>
                 <a:srgbClr val="000066"/>
               </a:solidFill>
@@ -3528,7 +3544,7 @@
               <a:buNone/>
             </a:pPr>
             <a:r>
-              <a:rPr lang="zh-TW" altLang="en-US" sz="5400" b="1" dirty="0" smtClean="0">
+              <a:rPr lang="zh-TW" altLang="en-US" sz="5400" b="1" dirty="0">
                 <a:solidFill>
                   <a:srgbClr val="000066"/>
                 </a:solidFill>
@@ -3537,7 +3553,7 @@
               </a:rPr>
               <a:t>感謝神我曾經風暴</a:t>
             </a:r>
-            <a:endParaRPr lang="en-US" altLang="zh-TW" sz="5400" b="1" dirty="0" smtClean="0">
+            <a:endParaRPr lang="en-US" altLang="zh-TW" sz="5400" b="1" dirty="0">
               <a:solidFill>
                 <a:srgbClr val="000066"/>
               </a:solidFill>
@@ -3550,7 +3566,7 @@
               <a:buNone/>
             </a:pPr>
             <a:r>
-              <a:rPr lang="zh-TW" altLang="en-US" sz="5400" b="1" dirty="0" smtClean="0">
+              <a:rPr lang="zh-TW" altLang="en-US" sz="5400" b="1" dirty="0">
                 <a:solidFill>
                   <a:srgbClr val="000066"/>
                 </a:solidFill>
@@ -3643,7 +3659,7 @@
               <a:buNone/>
             </a:pPr>
             <a:r>
-              <a:rPr lang="zh-TW" altLang="en-US" sz="5400" b="1" dirty="0" smtClean="0">
+              <a:rPr lang="zh-TW" altLang="en-US" sz="5400" b="1" dirty="0">
                 <a:solidFill>
                   <a:srgbClr val="000066"/>
                 </a:solidFill>
@@ -3652,7 +3668,7 @@
               </a:rPr>
               <a:t>感謝神賜我苦與樂</a:t>
             </a:r>
-            <a:endParaRPr lang="en-US" altLang="zh-TW" sz="5400" b="1" dirty="0" smtClean="0">
+            <a:endParaRPr lang="en-US" altLang="zh-TW" sz="5400" b="1" dirty="0">
               <a:solidFill>
                 <a:srgbClr val="000066"/>
               </a:solidFill>
@@ -3665,7 +3681,7 @@
               <a:buNone/>
             </a:pPr>
             <a:r>
-              <a:rPr lang="zh-TW" altLang="en-US" sz="5400" b="1" dirty="0" smtClean="0">
+              <a:rPr lang="zh-TW" altLang="en-US" sz="5400" b="1" dirty="0">
                 <a:solidFill>
                   <a:srgbClr val="000066"/>
                 </a:solidFill>
@@ -3674,7 +3690,7 @@
               </a:rPr>
               <a:t>感謝神賜我安慰</a:t>
             </a:r>
-            <a:endParaRPr lang="en-US" altLang="zh-TW" sz="5400" b="1" dirty="0" smtClean="0">
+            <a:endParaRPr lang="en-US" altLang="zh-TW" sz="5400" b="1" dirty="0">
               <a:solidFill>
                 <a:srgbClr val="000066"/>
               </a:solidFill>
@@ -3687,7 +3703,7 @@
               <a:buNone/>
             </a:pPr>
             <a:r>
-              <a:rPr lang="zh-TW" altLang="en-US" sz="5400" b="1" dirty="0" smtClean="0">
+              <a:rPr lang="zh-TW" altLang="en-US" sz="5400" b="1" dirty="0">
                 <a:solidFill>
                   <a:srgbClr val="000066"/>
                 </a:solidFill>
@@ -3696,7 +3712,7 @@
               </a:rPr>
               <a:t>感謝神賜無限恩典</a:t>
             </a:r>
-            <a:endParaRPr lang="en-US" altLang="zh-TW" sz="5400" b="1" dirty="0" smtClean="0">
+            <a:endParaRPr lang="en-US" altLang="zh-TW" sz="5400" b="1" dirty="0">
               <a:solidFill>
                 <a:srgbClr val="000066"/>
               </a:solidFill>
@@ -3709,7 +3725,7 @@
               <a:buNone/>
             </a:pPr>
             <a:r>
-              <a:rPr lang="zh-TW" altLang="en-US" sz="5400" b="1" dirty="0" smtClean="0">
+              <a:rPr lang="zh-TW" altLang="en-US" sz="5400" b="1" dirty="0">
                 <a:solidFill>
                   <a:srgbClr val="000066"/>
                 </a:solidFill>
@@ -3802,7 +3818,7 @@
               <a:buNone/>
             </a:pPr>
             <a:r>
-              <a:rPr lang="zh-TW" altLang="en-US" sz="5400" b="1" dirty="0" smtClean="0">
+              <a:rPr lang="zh-TW" altLang="en-US" sz="5400" b="1" dirty="0">
                 <a:solidFill>
                   <a:srgbClr val="000066"/>
                 </a:solidFill>
@@ -3811,7 +3827,7 @@
               </a:rPr>
               <a:t>感謝神賜路旁玫瑰</a:t>
             </a:r>
-            <a:endParaRPr lang="en-US" altLang="zh-TW" sz="5400" b="1" dirty="0" smtClean="0">
+            <a:endParaRPr lang="en-US" altLang="zh-TW" sz="5400" b="1" dirty="0">
               <a:solidFill>
                 <a:srgbClr val="000066"/>
               </a:solidFill>
@@ -3824,7 +3840,7 @@
               <a:buNone/>
             </a:pPr>
             <a:r>
-              <a:rPr lang="zh-TW" altLang="en-US" sz="5400" b="1" dirty="0" smtClean="0">
+              <a:rPr lang="zh-TW" altLang="en-US" sz="5400" b="1" dirty="0">
                 <a:solidFill>
                   <a:srgbClr val="000066"/>
                 </a:solidFill>
@@ -3833,7 +3849,7 @@
               </a:rPr>
               <a:t>感謝神玫瑰有刺</a:t>
             </a:r>
-            <a:endParaRPr lang="en-US" altLang="zh-TW" sz="5400" b="1" dirty="0" smtClean="0">
+            <a:endParaRPr lang="en-US" altLang="zh-TW" sz="5400" b="1" dirty="0">
               <a:solidFill>
                 <a:srgbClr val="000066"/>
               </a:solidFill>
@@ -3846,7 +3862,7 @@
               <a:buNone/>
             </a:pPr>
             <a:r>
-              <a:rPr lang="zh-TW" altLang="en-US" sz="5400" b="1" dirty="0" smtClean="0">
+              <a:rPr lang="zh-TW" altLang="en-US" sz="5400" b="1" dirty="0">
                 <a:solidFill>
                   <a:srgbClr val="000066"/>
                 </a:solidFill>
@@ -3855,7 +3871,7 @@
               </a:rPr>
               <a:t>感謝神賜家庭溫暖</a:t>
             </a:r>
-            <a:endParaRPr lang="en-US" altLang="zh-TW" sz="5400" b="1" dirty="0" smtClean="0">
+            <a:endParaRPr lang="en-US" altLang="zh-TW" sz="5400" b="1" dirty="0">
               <a:solidFill>
                 <a:srgbClr val="000066"/>
               </a:solidFill>
@@ -3868,7 +3884,7 @@
               <a:buNone/>
             </a:pPr>
             <a:r>
-              <a:rPr lang="zh-TW" altLang="en-US" sz="5400" b="1" dirty="0" smtClean="0">
+              <a:rPr lang="zh-TW" altLang="en-US" sz="5400" b="1" dirty="0">
                 <a:solidFill>
                   <a:srgbClr val="000066"/>
                 </a:solidFill>
@@ -3961,7 +3977,7 @@
               <a:buNone/>
             </a:pPr>
             <a:r>
-              <a:rPr lang="zh-TW" altLang="en-US" sz="5400" b="1" dirty="0" smtClean="0">
+              <a:rPr lang="zh-TW" altLang="en-US" sz="5400" b="1" dirty="0">
                 <a:solidFill>
                   <a:srgbClr val="000066"/>
                 </a:solidFill>
@@ -3970,7 +3986,7 @@
               </a:rPr>
               <a:t>感謝神賜喜樂憂愁</a:t>
             </a:r>
-            <a:endParaRPr lang="en-US" altLang="zh-TW" sz="5400" b="1" dirty="0" smtClean="0">
+            <a:endParaRPr lang="en-US" altLang="zh-TW" sz="5400" b="1" dirty="0">
               <a:solidFill>
                 <a:srgbClr val="000066"/>
               </a:solidFill>
@@ -3983,7 +3999,7 @@
               <a:buNone/>
             </a:pPr>
             <a:r>
-              <a:rPr lang="zh-TW" altLang="en-US" sz="5400" b="1" dirty="0" smtClean="0">
+              <a:rPr lang="zh-TW" altLang="en-US" sz="5400" b="1" dirty="0">
                 <a:solidFill>
                   <a:srgbClr val="000066"/>
                 </a:solidFill>
@@ -3992,7 +4008,7 @@
               </a:rPr>
               <a:t>感謝神賜我平安</a:t>
             </a:r>
-            <a:endParaRPr lang="en-US" altLang="zh-TW" sz="5400" b="1" dirty="0" smtClean="0">
+            <a:endParaRPr lang="en-US" altLang="zh-TW" sz="5400" b="1" dirty="0">
               <a:solidFill>
                 <a:srgbClr val="000066"/>
               </a:solidFill>
@@ -4005,7 +4021,7 @@
               <a:buNone/>
             </a:pPr>
             <a:r>
-              <a:rPr lang="zh-TW" altLang="en-US" sz="5400" b="1" dirty="0" smtClean="0">
+              <a:rPr lang="zh-TW" altLang="en-US" sz="5400" b="1" dirty="0">
                 <a:solidFill>
                   <a:srgbClr val="000066"/>
                 </a:solidFill>
@@ -4014,7 +4030,7 @@
               </a:rPr>
               <a:t>感謝神賜明天盼望</a:t>
             </a:r>
-            <a:endParaRPr lang="en-US" altLang="zh-TW" sz="5400" b="1" dirty="0" smtClean="0">
+            <a:endParaRPr lang="en-US" altLang="zh-TW" sz="5400" b="1" dirty="0">
               <a:solidFill>
                 <a:srgbClr val="000066"/>
               </a:solidFill>
@@ -4027,7 +4043,7 @@
               <a:buNone/>
             </a:pPr>
             <a:r>
-              <a:rPr lang="zh-TW" altLang="en-US" sz="5400" b="1" dirty="0" smtClean="0">
+              <a:rPr lang="zh-TW" altLang="en-US" sz="5400" b="1" dirty="0">
                 <a:solidFill>
                   <a:srgbClr val="000066"/>
                 </a:solidFill>
@@ -4111,7 +4127,7 @@
         </p:nvSpPr>
         <p:spPr>
           <a:xfrm>
-            <a:off x="457200" y="2571744"/>
+            <a:off x="1981200" y="2571745"/>
             <a:ext cx="8229600" cy="3554419"/>
           </a:xfrm>
         </p:spPr>
@@ -4125,7 +4141,7 @@
               <a:buNone/>
             </a:pPr>
             <a:r>
-              <a:rPr lang="zh-TW" altLang="en-US" sz="5400" b="1" dirty="0" smtClean="0">
+              <a:rPr lang="zh-TW" altLang="en-US" sz="5400" b="1" dirty="0">
                 <a:solidFill>
                   <a:srgbClr val="000066"/>
                 </a:solidFill>

--- a/感謝神.pptx
+++ b/感謝神.pptx
@@ -12,6 +12,12 @@
     <p:sldId id="260" r:id="rId6"/>
     <p:sldId id="261" r:id="rId7"/>
     <p:sldId id="262" r:id="rId8"/>
+    <p:sldId id="263" r:id="rId9"/>
+    <p:sldId id="264" r:id="rId10"/>
+    <p:sldId id="265" r:id="rId11"/>
+    <p:sldId id="266" r:id="rId12"/>
+    <p:sldId id="267" r:id="rId13"/>
+    <p:sldId id="268" r:id="rId14"/>
   </p:sldIdLst>
   <p:sldSz cx="12192000" cy="6858000"/>
   <p:notesSz cx="6858000" cy="9144000"/>
@@ -310,7 +316,7 @@
           <a:p>
             <a:fld id="{76B2E7AC-16E6-45CD-8C39-D1E431BD97A7}" type="datetimeFigureOut">
               <a:rPr lang="zh-TW" altLang="en-US" smtClean="0"/>
-              <a:t>2020/3/14</a:t>
+              <a:t>2020/12/30</a:t>
             </a:fld>
             <a:endParaRPr lang="zh-TW" altLang="en-US"/>
           </a:p>
@@ -475,7 +481,7 @@
           <a:p>
             <a:fld id="{76B2E7AC-16E6-45CD-8C39-D1E431BD97A7}" type="datetimeFigureOut">
               <a:rPr lang="zh-TW" altLang="en-US" smtClean="0"/>
-              <a:t>2020/3/14</a:t>
+              <a:t>2020/12/30</a:t>
             </a:fld>
             <a:endParaRPr lang="zh-TW" altLang="en-US"/>
           </a:p>
@@ -650,7 +656,7 @@
           <a:p>
             <a:fld id="{76B2E7AC-16E6-45CD-8C39-D1E431BD97A7}" type="datetimeFigureOut">
               <a:rPr lang="zh-TW" altLang="en-US" smtClean="0"/>
-              <a:t>2020/3/14</a:t>
+              <a:t>2020/12/30</a:t>
             </a:fld>
             <a:endParaRPr lang="zh-TW" altLang="en-US"/>
           </a:p>
@@ -815,7 +821,7 @@
           <a:p>
             <a:fld id="{76B2E7AC-16E6-45CD-8C39-D1E431BD97A7}" type="datetimeFigureOut">
               <a:rPr lang="zh-TW" altLang="en-US" smtClean="0"/>
-              <a:t>2020/3/14</a:t>
+              <a:t>2020/12/30</a:t>
             </a:fld>
             <a:endParaRPr lang="zh-TW" altLang="en-US"/>
           </a:p>
@@ -1056,7 +1062,7 @@
           <a:p>
             <a:fld id="{76B2E7AC-16E6-45CD-8C39-D1E431BD97A7}" type="datetimeFigureOut">
               <a:rPr lang="zh-TW" altLang="en-US" smtClean="0"/>
-              <a:t>2020/3/14</a:t>
+              <a:t>2020/12/30</a:t>
             </a:fld>
             <a:endParaRPr lang="zh-TW" altLang="en-US"/>
           </a:p>
@@ -1339,7 +1345,7 @@
           <a:p>
             <a:fld id="{76B2E7AC-16E6-45CD-8C39-D1E431BD97A7}" type="datetimeFigureOut">
               <a:rPr lang="zh-TW" altLang="en-US" smtClean="0"/>
-              <a:t>2020/3/14</a:t>
+              <a:t>2020/12/30</a:t>
             </a:fld>
             <a:endParaRPr lang="zh-TW" altLang="en-US"/>
           </a:p>
@@ -1756,7 +1762,7 @@
           <a:p>
             <a:fld id="{76B2E7AC-16E6-45CD-8C39-D1E431BD97A7}" type="datetimeFigureOut">
               <a:rPr lang="zh-TW" altLang="en-US" smtClean="0"/>
-              <a:t>2020/3/14</a:t>
+              <a:t>2020/12/30</a:t>
             </a:fld>
             <a:endParaRPr lang="zh-TW" altLang="en-US"/>
           </a:p>
@@ -1869,7 +1875,7 @@
           <a:p>
             <a:fld id="{76B2E7AC-16E6-45CD-8C39-D1E431BD97A7}" type="datetimeFigureOut">
               <a:rPr lang="zh-TW" altLang="en-US" smtClean="0"/>
-              <a:t>2020/3/14</a:t>
+              <a:t>2020/12/30</a:t>
             </a:fld>
             <a:endParaRPr lang="zh-TW" altLang="en-US"/>
           </a:p>
@@ -1959,7 +1965,7 @@
           <a:p>
             <a:fld id="{76B2E7AC-16E6-45CD-8C39-D1E431BD97A7}" type="datetimeFigureOut">
               <a:rPr lang="zh-TW" altLang="en-US" smtClean="0"/>
-              <a:t>2020/3/14</a:t>
+              <a:t>2020/12/30</a:t>
             </a:fld>
             <a:endParaRPr lang="zh-TW" altLang="en-US"/>
           </a:p>
@@ -2231,7 +2237,7 @@
           <a:p>
             <a:fld id="{76B2E7AC-16E6-45CD-8C39-D1E431BD97A7}" type="datetimeFigureOut">
               <a:rPr lang="zh-TW" altLang="en-US" smtClean="0"/>
-              <a:t>2020/3/14</a:t>
+              <a:t>2020/12/30</a:t>
             </a:fld>
             <a:endParaRPr lang="zh-TW" altLang="en-US"/>
           </a:p>
@@ -2483,7 +2489,7 @@
           <a:p>
             <a:fld id="{76B2E7AC-16E6-45CD-8C39-D1E431BD97A7}" type="datetimeFigureOut">
               <a:rPr lang="zh-TW" altLang="en-US" smtClean="0"/>
-              <a:t>2020/3/14</a:t>
+              <a:t>2020/12/30</a:t>
             </a:fld>
             <a:endParaRPr lang="zh-TW" altLang="en-US"/>
           </a:p>
@@ -2696,7 +2702,7 @@
           <a:p>
             <a:fld id="{76B2E7AC-16E6-45CD-8C39-D1E431BD97A7}" type="datetimeFigureOut">
               <a:rPr lang="zh-TW" altLang="en-US" smtClean="0"/>
-              <a:t>2020/3/14</a:t>
+              <a:t>2020/12/30</a:t>
             </a:fld>
             <a:endParaRPr lang="zh-TW" altLang="en-US"/>
           </a:p>
@@ -3076,22 +3082,121 @@
             <p:ph type="title"/>
           </p:nvPr>
         </p:nvSpPr>
-        <p:spPr/>
-        <p:txBody>
-          <a:bodyPr/>
-          <a:lstStyle/>
-          <a:p>
-            <a:r>
-              <a:rPr lang="zh-TW" altLang="en-US" b="1" dirty="0" smtClean="0">
+        <p:spPr>
+          <a:xfrm>
+            <a:off x="0" y="2857513"/>
+            <a:ext cx="12192000" cy="1143000"/>
+          </a:xfrm>
+        </p:spPr>
+        <p:txBody>
+          <a:bodyPr>
+            <a:noAutofit/>
+          </a:bodyPr>
+          <a:lstStyle/>
+          <a:p>
+            <a:r>
+              <a:rPr lang="zh-TW" altLang="en-US" sz="7200" b="1" i="1" dirty="0" smtClean="0">
                 <a:solidFill>
                   <a:srgbClr val="000066"/>
                 </a:solidFill>
+                <a:effectLst>
+                  <a:outerShdw blurRad="38100" dist="38100" dir="2700000" algn="tl">
+                    <a:srgbClr val="000000">
+                      <a:alpha val="43137"/>
+                    </a:srgbClr>
+                  </a:outerShdw>
+                </a:effectLst>
                 <a:latin typeface="微軟正黑體" pitchFamily="34" charset="-120"/>
                 <a:ea typeface="微軟正黑體" pitchFamily="34" charset="-120"/>
               </a:rPr>
-              <a:t>感謝神</a:t>
-            </a:r>
-            <a:endParaRPr lang="zh-TW" altLang="en-US" b="1" dirty="0">
+              <a:t>感</a:t>
+            </a:r>
+            <a:r>
+              <a:rPr lang="zh-TW" altLang="en-US" sz="7200" b="1" i="1" dirty="0">
+                <a:solidFill>
+                  <a:srgbClr val="000066"/>
+                </a:solidFill>
+                <a:effectLst>
+                  <a:outerShdw blurRad="38100" dist="38100" dir="2700000" algn="tl">
+                    <a:srgbClr val="000000">
+                      <a:alpha val="43137"/>
+                    </a:srgbClr>
+                  </a:outerShdw>
+                </a:effectLst>
+                <a:latin typeface="微軟正黑體" pitchFamily="34" charset="-120"/>
+                <a:ea typeface="微軟正黑體" pitchFamily="34" charset="-120"/>
+              </a:rPr>
+              <a:t>謝神</a:t>
+            </a:r>
+          </a:p>
+        </p:txBody>
+      </p:sp>
+    </p:spTree>
+    <p:extLst>
+      <p:ext uri="{BB962C8B-B14F-4D97-AF65-F5344CB8AC3E}">
+        <p14:creationId xmlns:p14="http://schemas.microsoft.com/office/powerpoint/2010/main" val="839278638"/>
+      </p:ext>
+    </p:extLst>
+  </p:cSld>
+  <p:clrMapOvr>
+    <a:masterClrMapping/>
+  </p:clrMapOvr>
+</p:sld>
+</file>
+
+<file path=ppt/slides/slide10.xml><?xml version="1.0" encoding="utf-8"?>
+<p:sld xmlns:a="http://schemas.openxmlformats.org/drawingml/2006/main" xmlns:r="http://schemas.openxmlformats.org/officeDocument/2006/relationships" xmlns:p="http://schemas.openxmlformats.org/presentationml/2006/main">
+  <p:cSld>
+    <p:spTree>
+      <p:nvGrpSpPr>
+        <p:cNvPr id="1" name=""/>
+        <p:cNvGrpSpPr/>
+        <p:nvPr/>
+      </p:nvGrpSpPr>
+      <p:grpSpPr>
+        <a:xfrm>
+          <a:off x="0" y="0"/>
+          <a:ext cx="0" cy="0"/>
+          <a:chOff x="0" y="0"/>
+          <a:chExt cx="0" cy="0"/>
+        </a:xfrm>
+      </p:grpSpPr>
+      <p:sp>
+        <p:nvSpPr>
+          <p:cNvPr id="5" name="內容版面配置區 4"/>
+          <p:cNvSpPr>
+            <a:spLocks noGrp="1"/>
+          </p:cNvSpPr>
+          <p:nvPr>
+            <p:ph idx="1"/>
+          </p:nvPr>
+        </p:nvSpPr>
+        <p:spPr>
+          <a:xfrm>
+            <a:off x="0" y="2084851"/>
+            <a:ext cx="12192000" cy="2404863"/>
+          </a:xfrm>
+        </p:spPr>
+        <p:txBody>
+          <a:bodyPr anchor="ctr">
+            <a:noAutofit/>
+          </a:bodyPr>
+          <a:lstStyle/>
+          <a:p>
+            <a:pPr algn="ctr">
+              <a:buNone/>
+            </a:pPr>
+            <a:r>
+              <a:rPr lang="zh-TW" altLang="en-US" sz="6600" b="1" dirty="0">
+                <a:solidFill>
+                  <a:srgbClr val="000066"/>
+                </a:solidFill>
+                <a:latin typeface="微軟正黑體" pitchFamily="34" charset="-120"/>
+                <a:ea typeface="微軟正黑體" pitchFamily="34" charset="-120"/>
+              </a:rPr>
+              <a:t>感謝神賜路旁玫瑰</a:t>
+            </a:r>
+            <a:endParaRPr lang="en-US" altLang="zh-TW" sz="6600" b="1" dirty="0">
               <a:solidFill>
                 <a:srgbClr val="000066"/>
               </a:solidFill>
@@ -3099,49 +3204,21 @@
               <a:ea typeface="微軟正黑體" pitchFamily="34" charset="-120"/>
             </a:endParaRPr>
           </a:p>
-        </p:txBody>
-      </p:sp>
-      <p:sp>
-        <p:nvSpPr>
-          <p:cNvPr id="5" name="內容版面配置區 4"/>
-          <p:cNvSpPr>
-            <a:spLocks noGrp="1"/>
-          </p:cNvSpPr>
-          <p:nvPr>
-            <p:ph idx="1"/>
-          </p:nvPr>
-        </p:nvSpPr>
-        <p:spPr/>
-        <p:txBody>
-          <a:bodyPr>
-            <a:normAutofit/>
-          </a:bodyPr>
-          <a:lstStyle/>
           <a:p>
             <a:pPr algn="ctr">
               <a:buNone/>
             </a:pPr>
             <a:r>
-              <a:rPr lang="zh-TW" altLang="en-US" sz="5400" b="1" dirty="0">
+              <a:rPr lang="zh-TW" altLang="en-US" sz="6600" b="1" dirty="0">
                 <a:solidFill>
                   <a:srgbClr val="000066"/>
                 </a:solidFill>
                 <a:latin typeface="微軟正黑體" pitchFamily="34" charset="-120"/>
                 <a:ea typeface="微軟正黑體" pitchFamily="34" charset="-120"/>
               </a:rPr>
-              <a:t>感謝神賜我救贖</a:t>
-            </a:r>
-            <a:r>
-              <a:rPr lang="zh-TW" altLang="en-US" sz="5400" b="1" dirty="0">
-                <a:solidFill>
-                  <a:srgbClr val="000066"/>
-                </a:solidFill>
-                <a:latin typeface="微軟正黑體" pitchFamily="34" charset="-120"/>
-                <a:ea typeface="微軟正黑體" pitchFamily="34" charset="-120"/>
-              </a:rPr>
-              <a:t>主</a:t>
-            </a:r>
-            <a:endParaRPr lang="en-US" altLang="zh-TW" sz="5400" b="1" dirty="0">
+              <a:t>感謝神玫瑰有刺</a:t>
+            </a:r>
+            <a:endParaRPr lang="en-US" altLang="zh-TW" sz="6600" b="1" dirty="0">
               <a:solidFill>
                 <a:srgbClr val="000066"/>
               </a:solidFill>
@@ -3149,41 +3226,112 @@
               <a:ea typeface="微軟正黑體" pitchFamily="34" charset="-120"/>
             </a:endParaRPr>
           </a:p>
+        </p:txBody>
+      </p:sp>
+      <p:sp>
+        <p:nvSpPr>
+          <p:cNvPr id="4" name="TextBox 3"/>
+          <p:cNvSpPr txBox="1"/>
+          <p:nvPr/>
+        </p:nvSpPr>
+        <p:spPr>
+          <a:xfrm>
+            <a:off x="753979" y="2319744"/>
+            <a:ext cx="1042737" cy="1107996"/>
+          </a:xfrm>
+          <a:prstGeom prst="rect">
+            <a:avLst/>
+          </a:prstGeom>
+          <a:noFill/>
+        </p:spPr>
+        <p:txBody>
+          <a:bodyPr wrap="square" rtlCol="0">
+            <a:spAutoFit/>
+          </a:bodyPr>
+          <a:lstStyle/>
+          <a:p>
+            <a:r>
+              <a:rPr lang="en-US" sz="6600" b="1" dirty="0" smtClean="0">
+                <a:solidFill>
+                  <a:srgbClr val="000066"/>
+                </a:solidFill>
+              </a:rPr>
+              <a:t>3.</a:t>
+            </a:r>
+            <a:endParaRPr lang="vi-VN" sz="6600" b="1" dirty="0">
+              <a:solidFill>
+                <a:srgbClr val="000066"/>
+              </a:solidFill>
+            </a:endParaRPr>
+          </a:p>
+        </p:txBody>
+      </p:sp>
+    </p:spTree>
+    <p:extLst>
+      <p:ext uri="{BB962C8B-B14F-4D97-AF65-F5344CB8AC3E}">
+        <p14:creationId xmlns:p14="http://schemas.microsoft.com/office/powerpoint/2010/main" val="2063290733"/>
+      </p:ext>
+    </p:extLst>
+  </p:cSld>
+  <p:clrMapOvr>
+    <a:masterClrMapping/>
+  </p:clrMapOvr>
+</p:sld>
+</file>
+
+<file path=ppt/slides/slide11.xml><?xml version="1.0" encoding="utf-8"?>
+<p:sld xmlns:a="http://schemas.openxmlformats.org/drawingml/2006/main" xmlns:r="http://schemas.openxmlformats.org/officeDocument/2006/relationships" xmlns:p="http://schemas.openxmlformats.org/presentationml/2006/main">
+  <p:cSld>
+    <p:spTree>
+      <p:nvGrpSpPr>
+        <p:cNvPr id="1" name=""/>
+        <p:cNvGrpSpPr/>
+        <p:nvPr/>
+      </p:nvGrpSpPr>
+      <p:grpSpPr>
+        <a:xfrm>
+          <a:off x="0" y="0"/>
+          <a:ext cx="0" cy="0"/>
+          <a:chOff x="0" y="0"/>
+          <a:chExt cx="0" cy="0"/>
+        </a:xfrm>
+      </p:grpSpPr>
+      <p:sp>
+        <p:nvSpPr>
+          <p:cNvPr id="5" name="內容版面配置區 4"/>
+          <p:cNvSpPr>
+            <a:spLocks noGrp="1"/>
+          </p:cNvSpPr>
+          <p:nvPr>
+            <p:ph idx="1"/>
+          </p:nvPr>
+        </p:nvSpPr>
+        <p:spPr>
+          <a:xfrm>
+            <a:off x="0" y="2084851"/>
+            <a:ext cx="12192000" cy="2404863"/>
+          </a:xfrm>
+        </p:spPr>
+        <p:txBody>
+          <a:bodyPr anchor="ctr">
+            <a:noAutofit/>
+          </a:bodyPr>
+          <a:lstStyle/>
           <a:p>
             <a:pPr algn="ctr">
               <a:buNone/>
             </a:pPr>
             <a:r>
-              <a:rPr lang="zh-TW" altLang="en-US" sz="5400" b="1" dirty="0">
+              <a:rPr lang="zh-TW" altLang="en-US" sz="6600" b="1" dirty="0">
                 <a:solidFill>
                   <a:srgbClr val="000066"/>
                 </a:solidFill>
                 <a:latin typeface="微軟正黑體" pitchFamily="34" charset="-120"/>
                 <a:ea typeface="微軟正黑體" pitchFamily="34" charset="-120"/>
               </a:rPr>
-              <a:t>感謝</a:t>
-            </a:r>
-            <a:r>
-              <a:rPr lang="zh-TW" altLang="en-US" sz="5400" b="1" dirty="0">
-                <a:solidFill>
-                  <a:srgbClr val="000066"/>
-                </a:solidFill>
-                <a:latin typeface="微軟正黑體" pitchFamily="34" charset="-120"/>
-                <a:ea typeface="微軟正黑體" pitchFamily="34" charset="-120"/>
-              </a:rPr>
-              <a:t>神豐富</a:t>
-            </a:r>
-            <a:r>
-              <a:rPr lang="zh-TW" altLang="en-US" sz="5400" b="1" dirty="0">
-                <a:solidFill>
-                  <a:srgbClr val="000066"/>
-                </a:solidFill>
-                <a:latin typeface="微軟正黑體" pitchFamily="34" charset="-120"/>
-                <a:ea typeface="微軟正黑體" pitchFamily="34" charset="-120"/>
-              </a:rPr>
-              <a:t>預備</a:t>
-            </a:r>
-            <a:endParaRPr lang="en-US" altLang="zh-TW" sz="5400" b="1" dirty="0">
+              <a:t>感謝神賜家庭溫暖</a:t>
+            </a:r>
+            <a:endParaRPr lang="en-US" altLang="zh-TW" sz="6600" b="1" dirty="0">
               <a:solidFill>
                 <a:srgbClr val="000066"/>
               </a:solidFill>
@@ -3196,36 +3344,16 @@
               <a:buNone/>
             </a:pPr>
             <a:r>
-              <a:rPr lang="zh-TW" altLang="en-US" sz="5400" b="1" dirty="0">
+              <a:rPr lang="zh-TW" altLang="en-US" sz="6600" b="1" dirty="0">
                 <a:solidFill>
                   <a:srgbClr val="000066"/>
                 </a:solidFill>
                 <a:latin typeface="微軟正黑體" pitchFamily="34" charset="-120"/>
                 <a:ea typeface="微軟正黑體" pitchFamily="34" charset="-120"/>
               </a:rPr>
-              <a:t>感謝</a:t>
-            </a:r>
-            <a:r>
-              <a:rPr lang="zh-TW" altLang="en-US" sz="5400" b="1" dirty="0">
-                <a:solidFill>
-                  <a:srgbClr val="000066"/>
-                </a:solidFill>
-                <a:latin typeface="微軟正黑體" pitchFamily="34" charset="-120"/>
-                <a:ea typeface="微軟正黑體" pitchFamily="34" charset="-120"/>
-              </a:rPr>
-              <a:t>神常與我同</a:t>
-            </a:r>
-            <a:r>
-              <a:rPr lang="zh-TW" altLang="en-US" sz="5400" b="1" dirty="0">
-                <a:solidFill>
-                  <a:srgbClr val="000066"/>
-                </a:solidFill>
-                <a:latin typeface="微軟正黑體" pitchFamily="34" charset="-120"/>
-                <a:ea typeface="微軟正黑體" pitchFamily="34" charset="-120"/>
-              </a:rPr>
-              <a:t>在</a:t>
-            </a:r>
-            <a:endParaRPr lang="en-US" altLang="zh-TW" sz="5400" b="1" dirty="0">
+              <a:t>感謝神賜我福氣</a:t>
+            </a:r>
+            <a:endParaRPr lang="zh-TW" altLang="en-US" sz="6600" b="1" dirty="0">
               <a:solidFill>
                 <a:srgbClr val="000066"/>
               </a:solidFill>
@@ -3233,34 +3361,322 @@
               <a:ea typeface="微軟正黑體" pitchFamily="34" charset="-120"/>
             </a:endParaRPr>
           </a:p>
+        </p:txBody>
+      </p:sp>
+      <p:sp>
+        <p:nvSpPr>
+          <p:cNvPr id="4" name="TextBox 3"/>
+          <p:cNvSpPr txBox="1"/>
+          <p:nvPr/>
+        </p:nvSpPr>
+        <p:spPr>
+          <a:xfrm>
+            <a:off x="753979" y="2319744"/>
+            <a:ext cx="1042737" cy="1107996"/>
+          </a:xfrm>
+          <a:prstGeom prst="rect">
+            <a:avLst/>
+          </a:prstGeom>
+          <a:noFill/>
+        </p:spPr>
+        <p:txBody>
+          <a:bodyPr wrap="square" rtlCol="0">
+            <a:spAutoFit/>
+          </a:bodyPr>
+          <a:lstStyle/>
+          <a:p>
+            <a:r>
+              <a:rPr lang="en-US" sz="6600" b="1" dirty="0" smtClean="0">
+                <a:solidFill>
+                  <a:srgbClr val="000066"/>
+                </a:solidFill>
+              </a:rPr>
+              <a:t>3.</a:t>
+            </a:r>
+            <a:endParaRPr lang="vi-VN" sz="6600" b="1" dirty="0">
+              <a:solidFill>
+                <a:srgbClr val="000066"/>
+              </a:solidFill>
+            </a:endParaRPr>
+          </a:p>
+        </p:txBody>
+      </p:sp>
+    </p:spTree>
+    <p:extLst>
+      <p:ext uri="{BB962C8B-B14F-4D97-AF65-F5344CB8AC3E}">
+        <p14:creationId xmlns:p14="http://schemas.microsoft.com/office/powerpoint/2010/main" val="3103417628"/>
+      </p:ext>
+    </p:extLst>
+  </p:cSld>
+  <p:clrMapOvr>
+    <a:masterClrMapping/>
+  </p:clrMapOvr>
+</p:sld>
+</file>
+
+<file path=ppt/slides/slide12.xml><?xml version="1.0" encoding="utf-8"?>
+<p:sld xmlns:a="http://schemas.openxmlformats.org/drawingml/2006/main" xmlns:r="http://schemas.openxmlformats.org/officeDocument/2006/relationships" xmlns:p="http://schemas.openxmlformats.org/presentationml/2006/main">
+  <p:cSld>
+    <p:spTree>
+      <p:nvGrpSpPr>
+        <p:cNvPr id="1" name=""/>
+        <p:cNvGrpSpPr/>
+        <p:nvPr/>
+      </p:nvGrpSpPr>
+      <p:grpSpPr>
+        <a:xfrm>
+          <a:off x="0" y="0"/>
+          <a:ext cx="0" cy="0"/>
+          <a:chOff x="0" y="0"/>
+          <a:chExt cx="0" cy="0"/>
+        </a:xfrm>
+      </p:grpSpPr>
+      <p:sp>
+        <p:nvSpPr>
+          <p:cNvPr id="5" name="內容版面配置區 4"/>
+          <p:cNvSpPr>
+            <a:spLocks noGrp="1"/>
+          </p:cNvSpPr>
+          <p:nvPr>
+            <p:ph idx="1"/>
+          </p:nvPr>
+        </p:nvSpPr>
+        <p:spPr>
+          <a:xfrm>
+            <a:off x="0" y="2084851"/>
+            <a:ext cx="12192000" cy="2404863"/>
+          </a:xfrm>
+        </p:spPr>
+        <p:txBody>
+          <a:bodyPr anchor="ctr">
+            <a:noAutofit/>
+          </a:bodyPr>
+          <a:lstStyle/>
           <a:p>
             <a:pPr algn="ctr">
               <a:buNone/>
             </a:pPr>
             <a:r>
-              <a:rPr lang="zh-TW" altLang="en-US" sz="5400" b="1" dirty="0">
+              <a:rPr lang="zh-TW" altLang="en-US" sz="6600" b="1" dirty="0">
                 <a:solidFill>
                   <a:srgbClr val="000066"/>
                 </a:solidFill>
                 <a:latin typeface="微軟正黑體" pitchFamily="34" charset="-120"/>
                 <a:ea typeface="微軟正黑體" pitchFamily="34" charset="-120"/>
               </a:rPr>
-              <a:t>感謝</a:t>
-            </a:r>
-            <a:r>
-              <a:rPr lang="zh-TW" altLang="en-US" sz="5400" b="1" dirty="0">
+              <a:t>感謝神賜喜樂憂愁</a:t>
+            </a:r>
+            <a:endParaRPr lang="en-US" altLang="zh-TW" sz="6600" b="1" dirty="0">
+              <a:solidFill>
+                <a:srgbClr val="000066"/>
+              </a:solidFill>
+              <a:latin typeface="微軟正黑體" pitchFamily="34" charset="-120"/>
+              <a:ea typeface="微軟正黑體" pitchFamily="34" charset="-120"/>
+            </a:endParaRPr>
+          </a:p>
+          <a:p>
+            <a:pPr algn="ctr">
+              <a:buNone/>
+            </a:pPr>
+            <a:r>
+              <a:rPr lang="zh-TW" altLang="en-US" sz="6600" b="1" dirty="0">
                 <a:solidFill>
                   <a:srgbClr val="000066"/>
                 </a:solidFill>
                 <a:latin typeface="微軟正黑體" pitchFamily="34" charset="-120"/>
                 <a:ea typeface="微軟正黑體" pitchFamily="34" charset="-120"/>
               </a:rPr>
-              <a:t>神一切恩惠</a:t>
-            </a:r>
+              <a:t>感謝神賜我平安</a:t>
+            </a:r>
+            <a:endParaRPr lang="en-US" altLang="zh-TW" sz="6600" b="1" dirty="0">
+              <a:solidFill>
+                <a:srgbClr val="000066"/>
+              </a:solidFill>
+              <a:latin typeface="微軟正黑體" pitchFamily="34" charset="-120"/>
+              <a:ea typeface="微軟正黑體" pitchFamily="34" charset="-120"/>
+            </a:endParaRPr>
+          </a:p>
+        </p:txBody>
+      </p:sp>
+      <p:sp>
+        <p:nvSpPr>
+          <p:cNvPr id="4" name="TextBox 3"/>
+          <p:cNvSpPr txBox="1"/>
+          <p:nvPr/>
+        </p:nvSpPr>
+        <p:spPr>
+          <a:xfrm>
+            <a:off x="753979" y="2319744"/>
+            <a:ext cx="1042737" cy="1107996"/>
+          </a:xfrm>
+          <a:prstGeom prst="rect">
+            <a:avLst/>
+          </a:prstGeom>
+          <a:noFill/>
+        </p:spPr>
+        <p:txBody>
+          <a:bodyPr wrap="square" rtlCol="0">
+            <a:spAutoFit/>
+          </a:bodyPr>
+          <a:lstStyle/>
+          <a:p>
+            <a:r>
+              <a:rPr lang="en-US" sz="6600" b="1" dirty="0" smtClean="0">
+                <a:solidFill>
+                  <a:srgbClr val="000066"/>
+                </a:solidFill>
+              </a:rPr>
+              <a:t>3.</a:t>
+            </a:r>
+            <a:endParaRPr lang="vi-VN" sz="6600" b="1" dirty="0">
+              <a:solidFill>
+                <a:srgbClr val="000066"/>
+              </a:solidFill>
+            </a:endParaRPr>
           </a:p>
         </p:txBody>
       </p:sp>
     </p:spTree>
+    <p:extLst>
+      <p:ext uri="{BB962C8B-B14F-4D97-AF65-F5344CB8AC3E}">
+        <p14:creationId xmlns:p14="http://schemas.microsoft.com/office/powerpoint/2010/main" val="1218420081"/>
+      </p:ext>
+    </p:extLst>
+  </p:cSld>
+  <p:clrMapOvr>
+    <a:masterClrMapping/>
+  </p:clrMapOvr>
+</p:sld>
+</file>
+
+<file path=ppt/slides/slide13.xml><?xml version="1.0" encoding="utf-8"?>
+<p:sld xmlns:a="http://schemas.openxmlformats.org/drawingml/2006/main" xmlns:r="http://schemas.openxmlformats.org/officeDocument/2006/relationships" xmlns:p="http://schemas.openxmlformats.org/presentationml/2006/main">
+  <p:cSld>
+    <p:spTree>
+      <p:nvGrpSpPr>
+        <p:cNvPr id="1" name=""/>
+        <p:cNvGrpSpPr/>
+        <p:nvPr/>
+      </p:nvGrpSpPr>
+      <p:grpSpPr>
+        <a:xfrm>
+          <a:off x="0" y="0"/>
+          <a:ext cx="0" cy="0"/>
+          <a:chOff x="0" y="0"/>
+          <a:chExt cx="0" cy="0"/>
+        </a:xfrm>
+      </p:grpSpPr>
+      <p:sp>
+        <p:nvSpPr>
+          <p:cNvPr id="5" name="內容版面配置區 4"/>
+          <p:cNvSpPr>
+            <a:spLocks noGrp="1"/>
+          </p:cNvSpPr>
+          <p:nvPr>
+            <p:ph idx="1"/>
+          </p:nvPr>
+        </p:nvSpPr>
+        <p:spPr>
+          <a:xfrm>
+            <a:off x="0" y="2084851"/>
+            <a:ext cx="12192000" cy="2404863"/>
+          </a:xfrm>
+        </p:spPr>
+        <p:txBody>
+          <a:bodyPr anchor="ctr">
+            <a:noAutofit/>
+          </a:bodyPr>
+          <a:lstStyle/>
+          <a:p>
+            <a:pPr algn="ctr">
+              <a:buNone/>
+            </a:pPr>
+            <a:r>
+              <a:rPr lang="zh-TW" altLang="en-US" sz="6600" b="1" dirty="0">
+                <a:solidFill>
+                  <a:srgbClr val="000066"/>
+                </a:solidFill>
+                <a:latin typeface="微軟正黑體" pitchFamily="34" charset="-120"/>
+                <a:ea typeface="微軟正黑體" pitchFamily="34" charset="-120"/>
+              </a:rPr>
+              <a:t>感謝神賜明天盼望</a:t>
+            </a:r>
+            <a:endParaRPr lang="en-US" altLang="zh-TW" sz="6600" b="1" dirty="0">
+              <a:solidFill>
+                <a:srgbClr val="000066"/>
+              </a:solidFill>
+              <a:latin typeface="微軟正黑體" pitchFamily="34" charset="-120"/>
+              <a:ea typeface="微軟正黑體" pitchFamily="34" charset="-120"/>
+            </a:endParaRPr>
+          </a:p>
+          <a:p>
+            <a:pPr algn="ctr">
+              <a:buNone/>
+            </a:pPr>
+            <a:r>
+              <a:rPr lang="zh-TW" altLang="en-US" sz="6600" b="1" dirty="0">
+                <a:solidFill>
+                  <a:srgbClr val="000066"/>
+                </a:solidFill>
+                <a:latin typeface="微軟正黑體" pitchFamily="34" charset="-120"/>
+                <a:ea typeface="微軟正黑體" pitchFamily="34" charset="-120"/>
+              </a:rPr>
+              <a:t>感謝神直到永遠</a:t>
+            </a:r>
+            <a:endParaRPr lang="zh-TW" altLang="en-US" sz="6600" b="1" dirty="0">
+              <a:solidFill>
+                <a:srgbClr val="000066"/>
+              </a:solidFill>
+              <a:latin typeface="微軟正黑體" pitchFamily="34" charset="-120"/>
+              <a:ea typeface="微軟正黑體" pitchFamily="34" charset="-120"/>
+            </a:endParaRPr>
+          </a:p>
+        </p:txBody>
+      </p:sp>
+      <p:sp>
+        <p:nvSpPr>
+          <p:cNvPr id="4" name="TextBox 3"/>
+          <p:cNvSpPr txBox="1"/>
+          <p:nvPr/>
+        </p:nvSpPr>
+        <p:spPr>
+          <a:xfrm>
+            <a:off x="753979" y="2319744"/>
+            <a:ext cx="1042737" cy="1107996"/>
+          </a:xfrm>
+          <a:prstGeom prst="rect">
+            <a:avLst/>
+          </a:prstGeom>
+          <a:noFill/>
+        </p:spPr>
+        <p:txBody>
+          <a:bodyPr wrap="square" rtlCol="0">
+            <a:spAutoFit/>
+          </a:bodyPr>
+          <a:lstStyle/>
+          <a:p>
+            <a:r>
+              <a:rPr lang="en-US" sz="6600" b="1" dirty="0" smtClean="0">
+                <a:solidFill>
+                  <a:srgbClr val="000066"/>
+                </a:solidFill>
+              </a:rPr>
+              <a:t>3.</a:t>
+            </a:r>
+            <a:endParaRPr lang="vi-VN" sz="6600" b="1" dirty="0">
+              <a:solidFill>
+                <a:srgbClr val="000066"/>
+              </a:solidFill>
+            </a:endParaRPr>
+          </a:p>
+        </p:txBody>
+      </p:sp>
+    </p:spTree>
+    <p:extLst>
+      <p:ext uri="{BB962C8B-B14F-4D97-AF65-F5344CB8AC3E}">
+        <p14:creationId xmlns:p14="http://schemas.microsoft.com/office/powerpoint/2010/main" val="3390845944"/>
+      </p:ext>
+    </p:extLst>
   </p:cSld>
   <p:clrMapOvr>
     <a:masterClrMapping/>
@@ -3287,30 +3703,40 @@
       </p:grpSpPr>
       <p:sp>
         <p:nvSpPr>
-          <p:cNvPr id="4" name="標題 3"/>
-          <p:cNvSpPr>
-            <a:spLocks noGrp="1"/>
-          </p:cNvSpPr>
-          <p:nvPr>
-            <p:ph type="title"/>
-          </p:nvPr>
-        </p:nvSpPr>
-        <p:spPr/>
-        <p:txBody>
-          <a:bodyPr/>
-          <a:lstStyle/>
-          <a:p>
-            <a:r>
-              <a:rPr lang="zh-TW" altLang="en-US" b="1" dirty="0" smtClean="0">
+          <p:cNvPr id="5" name="內容版面配置區 4"/>
+          <p:cNvSpPr>
+            <a:spLocks noGrp="1"/>
+          </p:cNvSpPr>
+          <p:nvPr>
+            <p:ph idx="1"/>
+          </p:nvPr>
+        </p:nvSpPr>
+        <p:spPr>
+          <a:xfrm>
+            <a:off x="0" y="2084851"/>
+            <a:ext cx="12192000" cy="2404863"/>
+          </a:xfrm>
+        </p:spPr>
+        <p:txBody>
+          <a:bodyPr anchor="ctr">
+            <a:noAutofit/>
+          </a:bodyPr>
+          <a:lstStyle/>
+          <a:p>
+            <a:pPr algn="ctr">
+              <a:buNone/>
+            </a:pPr>
+            <a:r>
+              <a:rPr lang="zh-TW" altLang="en-US" sz="6400" b="1" dirty="0">
                 <a:solidFill>
                   <a:srgbClr val="000066"/>
                 </a:solidFill>
                 <a:latin typeface="微軟正黑體" pitchFamily="34" charset="-120"/>
                 <a:ea typeface="微軟正黑體" pitchFamily="34" charset="-120"/>
               </a:rPr>
-              <a:t>感謝神</a:t>
-            </a:r>
-            <a:endParaRPr lang="zh-TW" altLang="en-US" b="1" dirty="0">
+              <a:t>感謝神賜我救贖主</a:t>
+            </a:r>
+            <a:endParaRPr lang="en-US" altLang="zh-TW" sz="6400" b="1" dirty="0">
               <a:solidFill>
                 <a:srgbClr val="000066"/>
               </a:solidFill>
@@ -3318,39 +3744,21 @@
               <a:ea typeface="微軟正黑體" pitchFamily="34" charset="-120"/>
             </a:endParaRPr>
           </a:p>
-        </p:txBody>
-      </p:sp>
-      <p:sp>
-        <p:nvSpPr>
-          <p:cNvPr id="5" name="內容版面配置區 4"/>
-          <p:cNvSpPr>
-            <a:spLocks noGrp="1"/>
-          </p:cNvSpPr>
-          <p:nvPr>
-            <p:ph idx="1"/>
-          </p:nvPr>
-        </p:nvSpPr>
-        <p:spPr/>
-        <p:txBody>
-          <a:bodyPr>
-            <a:normAutofit/>
-          </a:bodyPr>
-          <a:lstStyle/>
           <a:p>
             <a:pPr algn="ctr">
               <a:buNone/>
             </a:pPr>
             <a:r>
-              <a:rPr lang="zh-TW" altLang="en-US" sz="5400" b="1" dirty="0">
+              <a:rPr lang="zh-TW" altLang="en-US" sz="6400" b="1" dirty="0">
                 <a:solidFill>
                   <a:srgbClr val="000066"/>
                 </a:solidFill>
                 <a:latin typeface="微軟正黑體" pitchFamily="34" charset="-120"/>
                 <a:ea typeface="微軟正黑體" pitchFamily="34" charset="-120"/>
               </a:rPr>
-              <a:t>感謝神賜溫暖春天</a:t>
-            </a:r>
-            <a:endParaRPr lang="en-US" altLang="zh-TW" sz="5400" b="1" dirty="0">
+              <a:t>感謝神豐富預備</a:t>
+            </a:r>
+            <a:endParaRPr lang="en-US" altLang="zh-TW" sz="6400" b="1" dirty="0">
               <a:solidFill>
                 <a:srgbClr val="000066"/>
               </a:solidFill>
@@ -3358,68 +3766,52 @@
               <a:ea typeface="微軟正黑體" pitchFamily="34" charset="-120"/>
             </a:endParaRPr>
           </a:p>
-          <a:p>
-            <a:pPr algn="ctr">
-              <a:buNone/>
-            </a:pPr>
-            <a:r>
-              <a:rPr lang="zh-TW" altLang="en-US" sz="5400" b="1" dirty="0">
+        </p:txBody>
+      </p:sp>
+      <p:sp>
+        <p:nvSpPr>
+          <p:cNvPr id="4" name="TextBox 3"/>
+          <p:cNvSpPr txBox="1"/>
+          <p:nvPr/>
+        </p:nvSpPr>
+        <p:spPr>
+          <a:xfrm>
+            <a:off x="753979" y="2319744"/>
+            <a:ext cx="1042737" cy="1107996"/>
+          </a:xfrm>
+          <a:prstGeom prst="rect">
+            <a:avLst/>
+          </a:prstGeom>
+          <a:noFill/>
+        </p:spPr>
+        <p:txBody>
+          <a:bodyPr wrap="square" rtlCol="0">
+            <a:spAutoFit/>
+          </a:bodyPr>
+          <a:lstStyle/>
+          <a:p>
+            <a:r>
+              <a:rPr lang="en-US" sz="6600" b="1" dirty="0" smtClean="0">
                 <a:solidFill>
                   <a:srgbClr val="000066"/>
                 </a:solidFill>
-                <a:latin typeface="微軟正黑體" pitchFamily="34" charset="-120"/>
-                <a:ea typeface="微軟正黑體" pitchFamily="34" charset="-120"/>
               </a:rPr>
-              <a:t>感謝神凄涼秋景</a:t>
-            </a:r>
-            <a:endParaRPr lang="en-US" altLang="zh-TW" sz="5400" b="1" dirty="0">
+              <a:t>1.</a:t>
+            </a:r>
+            <a:endParaRPr lang="vi-VN" sz="6600" b="1" dirty="0">
               <a:solidFill>
                 <a:srgbClr val="000066"/>
               </a:solidFill>
-              <a:latin typeface="微軟正黑體" pitchFamily="34" charset="-120"/>
-              <a:ea typeface="微軟正黑體" pitchFamily="34" charset="-120"/>
             </a:endParaRPr>
           </a:p>
-          <a:p>
-            <a:pPr algn="ctr">
-              <a:buNone/>
-            </a:pPr>
-            <a:r>
-              <a:rPr lang="zh-TW" altLang="en-US" sz="5400" b="1" dirty="0">
-                <a:solidFill>
-                  <a:srgbClr val="000066"/>
-                </a:solidFill>
-                <a:latin typeface="微軟正黑體" pitchFamily="34" charset="-120"/>
-                <a:ea typeface="微軟正黑體" pitchFamily="34" charset="-120"/>
-              </a:rPr>
-              <a:t>感謝神抹乾我眼淚</a:t>
-            </a:r>
-            <a:endParaRPr lang="en-US" altLang="zh-TW" sz="5400" b="1" dirty="0">
-              <a:solidFill>
-                <a:srgbClr val="000066"/>
-              </a:solidFill>
-              <a:latin typeface="微軟正黑體" pitchFamily="34" charset="-120"/>
-              <a:ea typeface="微軟正黑體" pitchFamily="34" charset="-120"/>
-            </a:endParaRPr>
-          </a:p>
-          <a:p>
-            <a:pPr algn="ctr">
-              <a:buNone/>
-            </a:pPr>
-            <a:r>
-              <a:rPr lang="zh-TW" altLang="en-US" sz="5400" b="1" dirty="0">
-                <a:solidFill>
-                  <a:srgbClr val="000066"/>
-                </a:solidFill>
-                <a:latin typeface="微軟正黑體" pitchFamily="34" charset="-120"/>
-                <a:ea typeface="微軟正黑體" pitchFamily="34" charset="-120"/>
-              </a:rPr>
-              <a:t>感謝神賜我安寧</a:t>
-            </a:r>
-          </a:p>
         </p:txBody>
       </p:sp>
     </p:spTree>
+    <p:extLst>
+      <p:ext uri="{BB962C8B-B14F-4D97-AF65-F5344CB8AC3E}">
+        <p14:creationId xmlns:p14="http://schemas.microsoft.com/office/powerpoint/2010/main" val="3786868522"/>
+      </p:ext>
+    </p:extLst>
   </p:cSld>
   <p:clrMapOvr>
     <a:masterClrMapping/>
@@ -3446,30 +3838,40 @@
       </p:grpSpPr>
       <p:sp>
         <p:nvSpPr>
-          <p:cNvPr id="4" name="標題 3"/>
-          <p:cNvSpPr>
-            <a:spLocks noGrp="1"/>
-          </p:cNvSpPr>
-          <p:nvPr>
-            <p:ph type="title"/>
-          </p:nvPr>
-        </p:nvSpPr>
-        <p:spPr/>
-        <p:txBody>
-          <a:bodyPr/>
-          <a:lstStyle/>
-          <a:p>
-            <a:r>
-              <a:rPr lang="zh-TW" altLang="en-US" b="1" dirty="0" smtClean="0">
+          <p:cNvPr id="5" name="內容版面配置區 4"/>
+          <p:cNvSpPr>
+            <a:spLocks noGrp="1"/>
+          </p:cNvSpPr>
+          <p:nvPr>
+            <p:ph idx="1"/>
+          </p:nvPr>
+        </p:nvSpPr>
+        <p:spPr>
+          <a:xfrm>
+            <a:off x="0" y="2084851"/>
+            <a:ext cx="12192000" cy="2404863"/>
+          </a:xfrm>
+        </p:spPr>
+        <p:txBody>
+          <a:bodyPr anchor="ctr">
+            <a:noAutofit/>
+          </a:bodyPr>
+          <a:lstStyle/>
+          <a:p>
+            <a:pPr algn="ctr">
+              <a:buNone/>
+            </a:pPr>
+            <a:r>
+              <a:rPr lang="zh-TW" altLang="en-US" sz="6400" b="1" dirty="0">
                 <a:solidFill>
                   <a:srgbClr val="000066"/>
                 </a:solidFill>
                 <a:latin typeface="微軟正黑體" pitchFamily="34" charset="-120"/>
                 <a:ea typeface="微軟正黑體" pitchFamily="34" charset="-120"/>
               </a:rPr>
-              <a:t>感謝神</a:t>
-            </a:r>
-            <a:endParaRPr lang="zh-TW" altLang="en-US" b="1" dirty="0">
+              <a:t>感謝神常與我同在</a:t>
+            </a:r>
+            <a:endParaRPr lang="en-US" altLang="zh-TW" sz="6400" b="1" dirty="0">
               <a:solidFill>
                 <a:srgbClr val="000066"/>
               </a:solidFill>
@@ -3477,108 +3879,67 @@
               <a:ea typeface="微軟正黑體" pitchFamily="34" charset="-120"/>
             </a:endParaRPr>
           </a:p>
-        </p:txBody>
-      </p:sp>
-      <p:sp>
-        <p:nvSpPr>
-          <p:cNvPr id="5" name="內容版面配置區 4"/>
-          <p:cNvSpPr>
-            <a:spLocks noGrp="1"/>
-          </p:cNvSpPr>
-          <p:nvPr>
-            <p:ph idx="1"/>
-          </p:nvPr>
-        </p:nvSpPr>
-        <p:spPr/>
-        <p:txBody>
-          <a:bodyPr>
-            <a:normAutofit/>
-          </a:bodyPr>
-          <a:lstStyle/>
           <a:p>
             <a:pPr algn="ctr">
               <a:buNone/>
             </a:pPr>
             <a:r>
-              <a:rPr lang="zh-TW" altLang="en-US" sz="5400" b="1" dirty="0">
+              <a:rPr lang="zh-TW" altLang="en-US" sz="6400" b="1" dirty="0">
                 <a:solidFill>
                   <a:srgbClr val="000066"/>
                 </a:solidFill>
                 <a:latin typeface="微軟正黑體" pitchFamily="34" charset="-120"/>
                 <a:ea typeface="微軟正黑體" pitchFamily="34" charset="-120"/>
               </a:rPr>
-              <a:t>感謝神禱告蒙應允</a:t>
-            </a:r>
-            <a:endParaRPr lang="en-US" altLang="zh-TW" sz="5400" b="1" dirty="0">
+              <a:t>感謝神一切恩惠</a:t>
+            </a:r>
+          </a:p>
+        </p:txBody>
+      </p:sp>
+      <p:sp>
+        <p:nvSpPr>
+          <p:cNvPr id="4" name="TextBox 3"/>
+          <p:cNvSpPr txBox="1"/>
+          <p:nvPr/>
+        </p:nvSpPr>
+        <p:spPr>
+          <a:xfrm>
+            <a:off x="753979" y="2319744"/>
+            <a:ext cx="1042737" cy="1107996"/>
+          </a:xfrm>
+          <a:prstGeom prst="rect">
+            <a:avLst/>
+          </a:prstGeom>
+          <a:noFill/>
+        </p:spPr>
+        <p:txBody>
+          <a:bodyPr wrap="square" rtlCol="0">
+            <a:spAutoFit/>
+          </a:bodyPr>
+          <a:lstStyle/>
+          <a:p>
+            <a:r>
+              <a:rPr lang="en-US" sz="6600" b="1" dirty="0" smtClean="0">
+                <a:solidFill>
+                  <a:srgbClr val="000066"/>
+                </a:solidFill>
+              </a:rPr>
+              <a:t>1.</a:t>
+            </a:r>
+            <a:endParaRPr lang="vi-VN" sz="6600" b="1" dirty="0">
               <a:solidFill>
                 <a:srgbClr val="000066"/>
               </a:solidFill>
-              <a:latin typeface="微軟正黑體" pitchFamily="34" charset="-120"/>
-              <a:ea typeface="微軟正黑體" pitchFamily="34" charset="-120"/>
             </a:endParaRPr>
           </a:p>
-          <a:p>
-            <a:pPr algn="ctr">
-              <a:buNone/>
-            </a:pPr>
-            <a:r>
-              <a:rPr lang="zh-TW" altLang="en-US" sz="5400" b="1" dirty="0">
-                <a:solidFill>
-                  <a:srgbClr val="000066"/>
-                </a:solidFill>
-                <a:latin typeface="微軟正黑體" pitchFamily="34" charset="-120"/>
-                <a:ea typeface="微軟正黑體" pitchFamily="34" charset="-120"/>
-              </a:rPr>
-              <a:t>感謝神禱告不聽</a:t>
-            </a:r>
-            <a:endParaRPr lang="en-US" altLang="zh-TW" sz="5400" b="1" dirty="0">
-              <a:solidFill>
-                <a:srgbClr val="000066"/>
-              </a:solidFill>
-              <a:latin typeface="微軟正黑體" pitchFamily="34" charset="-120"/>
-              <a:ea typeface="微軟正黑體" pitchFamily="34" charset="-120"/>
-            </a:endParaRPr>
-          </a:p>
-          <a:p>
-            <a:pPr algn="ctr">
-              <a:buNone/>
-            </a:pPr>
-            <a:r>
-              <a:rPr lang="zh-TW" altLang="en-US" sz="5400" b="1" dirty="0">
-                <a:solidFill>
-                  <a:srgbClr val="000066"/>
-                </a:solidFill>
-                <a:latin typeface="微軟正黑體" pitchFamily="34" charset="-120"/>
-                <a:ea typeface="微軟正黑體" pitchFamily="34" charset="-120"/>
-              </a:rPr>
-              <a:t>感謝神我曾經風暴</a:t>
-            </a:r>
-            <a:endParaRPr lang="en-US" altLang="zh-TW" sz="5400" b="1" dirty="0">
-              <a:solidFill>
-                <a:srgbClr val="000066"/>
-              </a:solidFill>
-              <a:latin typeface="微軟正黑體" pitchFamily="34" charset="-120"/>
-              <a:ea typeface="微軟正黑體" pitchFamily="34" charset="-120"/>
-            </a:endParaRPr>
-          </a:p>
-          <a:p>
-            <a:pPr algn="ctr">
-              <a:buNone/>
-            </a:pPr>
-            <a:r>
-              <a:rPr lang="zh-TW" altLang="en-US" sz="5400" b="1" dirty="0">
-                <a:solidFill>
-                  <a:srgbClr val="000066"/>
-                </a:solidFill>
-                <a:latin typeface="微軟正黑體" pitchFamily="34" charset="-120"/>
-                <a:ea typeface="微軟正黑體" pitchFamily="34" charset="-120"/>
-              </a:rPr>
-              <a:t>感謝神豐富供應</a:t>
-            </a:r>
-          </a:p>
         </p:txBody>
       </p:sp>
     </p:spTree>
+    <p:extLst>
+      <p:ext uri="{BB962C8B-B14F-4D97-AF65-F5344CB8AC3E}">
+        <p14:creationId xmlns:p14="http://schemas.microsoft.com/office/powerpoint/2010/main" val="3843397229"/>
+      </p:ext>
+    </p:extLst>
   </p:cSld>
   <p:clrMapOvr>
     <a:masterClrMapping/>
@@ -3605,30 +3966,40 @@
       </p:grpSpPr>
       <p:sp>
         <p:nvSpPr>
-          <p:cNvPr id="4" name="標題 3"/>
-          <p:cNvSpPr>
-            <a:spLocks noGrp="1"/>
-          </p:cNvSpPr>
-          <p:nvPr>
-            <p:ph type="title"/>
-          </p:nvPr>
-        </p:nvSpPr>
-        <p:spPr/>
-        <p:txBody>
-          <a:bodyPr/>
-          <a:lstStyle/>
-          <a:p>
-            <a:r>
-              <a:rPr lang="zh-TW" altLang="en-US" b="1" dirty="0" smtClean="0">
+          <p:cNvPr id="5" name="內容版面配置區 4"/>
+          <p:cNvSpPr>
+            <a:spLocks noGrp="1"/>
+          </p:cNvSpPr>
+          <p:nvPr>
+            <p:ph idx="1"/>
+          </p:nvPr>
+        </p:nvSpPr>
+        <p:spPr>
+          <a:xfrm>
+            <a:off x="0" y="2084851"/>
+            <a:ext cx="12192000" cy="2404863"/>
+          </a:xfrm>
+        </p:spPr>
+        <p:txBody>
+          <a:bodyPr anchor="ctr">
+            <a:noAutofit/>
+          </a:bodyPr>
+          <a:lstStyle/>
+          <a:p>
+            <a:pPr algn="ctr">
+              <a:buNone/>
+            </a:pPr>
+            <a:r>
+              <a:rPr lang="zh-TW" altLang="en-US" sz="6400" b="1" dirty="0">
                 <a:solidFill>
                   <a:srgbClr val="000066"/>
                 </a:solidFill>
                 <a:latin typeface="微軟正黑體" pitchFamily="34" charset="-120"/>
                 <a:ea typeface="微軟正黑體" pitchFamily="34" charset="-120"/>
               </a:rPr>
-              <a:t>感謝神</a:t>
-            </a:r>
-            <a:endParaRPr lang="zh-TW" altLang="en-US" b="1" dirty="0">
+              <a:t>感謝神賜溫暖春天</a:t>
+            </a:r>
+            <a:endParaRPr lang="en-US" altLang="zh-TW" sz="6400" b="1" dirty="0">
               <a:solidFill>
                 <a:srgbClr val="000066"/>
               </a:solidFill>
@@ -3636,39 +4007,21 @@
               <a:ea typeface="微軟正黑體" pitchFamily="34" charset="-120"/>
             </a:endParaRPr>
           </a:p>
-        </p:txBody>
-      </p:sp>
-      <p:sp>
-        <p:nvSpPr>
-          <p:cNvPr id="5" name="內容版面配置區 4"/>
-          <p:cNvSpPr>
-            <a:spLocks noGrp="1"/>
-          </p:cNvSpPr>
-          <p:nvPr>
-            <p:ph idx="1"/>
-          </p:nvPr>
-        </p:nvSpPr>
-        <p:spPr/>
-        <p:txBody>
-          <a:bodyPr>
-            <a:normAutofit/>
-          </a:bodyPr>
-          <a:lstStyle/>
           <a:p>
             <a:pPr algn="ctr">
               <a:buNone/>
             </a:pPr>
             <a:r>
-              <a:rPr lang="zh-TW" altLang="en-US" sz="5400" b="1" dirty="0">
+              <a:rPr lang="zh-TW" altLang="en-US" sz="6400" b="1" dirty="0">
                 <a:solidFill>
                   <a:srgbClr val="000066"/>
                 </a:solidFill>
                 <a:latin typeface="微軟正黑體" pitchFamily="34" charset="-120"/>
                 <a:ea typeface="微軟正黑體" pitchFamily="34" charset="-120"/>
               </a:rPr>
-              <a:t>感謝神賜我苦與樂</a:t>
-            </a:r>
-            <a:endParaRPr lang="en-US" altLang="zh-TW" sz="5400" b="1" dirty="0">
+              <a:t>感謝神凄涼秋景</a:t>
+            </a:r>
+            <a:endParaRPr lang="en-US" altLang="zh-TW" sz="6400" b="1" dirty="0">
               <a:solidFill>
                 <a:srgbClr val="000066"/>
               </a:solidFill>
@@ -3676,68 +4029,52 @@
               <a:ea typeface="微軟正黑體" pitchFamily="34" charset="-120"/>
             </a:endParaRPr>
           </a:p>
-          <a:p>
-            <a:pPr algn="ctr">
-              <a:buNone/>
-            </a:pPr>
-            <a:r>
-              <a:rPr lang="zh-TW" altLang="en-US" sz="5400" b="1" dirty="0">
+        </p:txBody>
+      </p:sp>
+      <p:sp>
+        <p:nvSpPr>
+          <p:cNvPr id="4" name="TextBox 3"/>
+          <p:cNvSpPr txBox="1"/>
+          <p:nvPr/>
+        </p:nvSpPr>
+        <p:spPr>
+          <a:xfrm>
+            <a:off x="753979" y="2319744"/>
+            <a:ext cx="1042737" cy="1107996"/>
+          </a:xfrm>
+          <a:prstGeom prst="rect">
+            <a:avLst/>
+          </a:prstGeom>
+          <a:noFill/>
+        </p:spPr>
+        <p:txBody>
+          <a:bodyPr wrap="square" rtlCol="0">
+            <a:spAutoFit/>
+          </a:bodyPr>
+          <a:lstStyle/>
+          <a:p>
+            <a:r>
+              <a:rPr lang="en-US" sz="6600" b="1" dirty="0" smtClean="0">
                 <a:solidFill>
                   <a:srgbClr val="000066"/>
                 </a:solidFill>
-                <a:latin typeface="微軟正黑體" pitchFamily="34" charset="-120"/>
-                <a:ea typeface="微軟正黑體" pitchFamily="34" charset="-120"/>
               </a:rPr>
-              <a:t>感謝神賜我安慰</a:t>
-            </a:r>
-            <a:endParaRPr lang="en-US" altLang="zh-TW" sz="5400" b="1" dirty="0">
+              <a:t>1.</a:t>
+            </a:r>
+            <a:endParaRPr lang="vi-VN" sz="6600" b="1" dirty="0">
               <a:solidFill>
                 <a:srgbClr val="000066"/>
               </a:solidFill>
-              <a:latin typeface="微軟正黑體" pitchFamily="34" charset="-120"/>
-              <a:ea typeface="微軟正黑體" pitchFamily="34" charset="-120"/>
             </a:endParaRPr>
           </a:p>
-          <a:p>
-            <a:pPr algn="ctr">
-              <a:buNone/>
-            </a:pPr>
-            <a:r>
-              <a:rPr lang="zh-TW" altLang="en-US" sz="5400" b="1" dirty="0">
-                <a:solidFill>
-                  <a:srgbClr val="000066"/>
-                </a:solidFill>
-                <a:latin typeface="微軟正黑體" pitchFamily="34" charset="-120"/>
-                <a:ea typeface="微軟正黑體" pitchFamily="34" charset="-120"/>
-              </a:rPr>
-              <a:t>感謝神賜無限恩典</a:t>
-            </a:r>
-            <a:endParaRPr lang="en-US" altLang="zh-TW" sz="5400" b="1" dirty="0">
-              <a:solidFill>
-                <a:srgbClr val="000066"/>
-              </a:solidFill>
-              <a:latin typeface="微軟正黑體" pitchFamily="34" charset="-120"/>
-              <a:ea typeface="微軟正黑體" pitchFamily="34" charset="-120"/>
-            </a:endParaRPr>
-          </a:p>
-          <a:p>
-            <a:pPr algn="ctr">
-              <a:buNone/>
-            </a:pPr>
-            <a:r>
-              <a:rPr lang="zh-TW" altLang="en-US" sz="5400" b="1" dirty="0">
-                <a:solidFill>
-                  <a:srgbClr val="000066"/>
-                </a:solidFill>
-                <a:latin typeface="微軟正黑體" pitchFamily="34" charset="-120"/>
-                <a:ea typeface="微軟正黑體" pitchFamily="34" charset="-120"/>
-              </a:rPr>
-              <a:t>感謝神無比大愛</a:t>
-            </a:r>
-          </a:p>
         </p:txBody>
       </p:sp>
     </p:spTree>
+    <p:extLst>
+      <p:ext uri="{BB962C8B-B14F-4D97-AF65-F5344CB8AC3E}">
+        <p14:creationId xmlns:p14="http://schemas.microsoft.com/office/powerpoint/2010/main" val="263849319"/>
+      </p:ext>
+    </p:extLst>
   </p:cSld>
   <p:clrMapOvr>
     <a:masterClrMapping/>
@@ -3764,30 +4101,40 @@
       </p:grpSpPr>
       <p:sp>
         <p:nvSpPr>
-          <p:cNvPr id="4" name="標題 3"/>
-          <p:cNvSpPr>
-            <a:spLocks noGrp="1"/>
-          </p:cNvSpPr>
-          <p:nvPr>
-            <p:ph type="title"/>
-          </p:nvPr>
-        </p:nvSpPr>
-        <p:spPr/>
-        <p:txBody>
-          <a:bodyPr/>
-          <a:lstStyle/>
-          <a:p>
-            <a:r>
-              <a:rPr lang="zh-TW" altLang="en-US" b="1" dirty="0" smtClean="0">
+          <p:cNvPr id="5" name="內容版面配置區 4"/>
+          <p:cNvSpPr>
+            <a:spLocks noGrp="1"/>
+          </p:cNvSpPr>
+          <p:nvPr>
+            <p:ph idx="1"/>
+          </p:nvPr>
+        </p:nvSpPr>
+        <p:spPr>
+          <a:xfrm>
+            <a:off x="0" y="2084851"/>
+            <a:ext cx="12192000" cy="2404863"/>
+          </a:xfrm>
+        </p:spPr>
+        <p:txBody>
+          <a:bodyPr anchor="ctr">
+            <a:noAutofit/>
+          </a:bodyPr>
+          <a:lstStyle/>
+          <a:p>
+            <a:pPr algn="ctr">
+              <a:buNone/>
+            </a:pPr>
+            <a:r>
+              <a:rPr lang="zh-TW" altLang="en-US" sz="6400" b="1" dirty="0">
                 <a:solidFill>
                   <a:srgbClr val="000066"/>
                 </a:solidFill>
                 <a:latin typeface="微軟正黑體" pitchFamily="34" charset="-120"/>
                 <a:ea typeface="微軟正黑體" pitchFamily="34" charset="-120"/>
               </a:rPr>
-              <a:t>感謝神</a:t>
-            </a:r>
-            <a:endParaRPr lang="zh-TW" altLang="en-US" b="1" dirty="0">
+              <a:t>感謝神抹乾我眼淚</a:t>
+            </a:r>
+            <a:endParaRPr lang="en-US" altLang="zh-TW" sz="6400" b="1" dirty="0">
               <a:solidFill>
                 <a:srgbClr val="000066"/>
               </a:solidFill>
@@ -3795,108 +4142,67 @@
               <a:ea typeface="微軟正黑體" pitchFamily="34" charset="-120"/>
             </a:endParaRPr>
           </a:p>
-        </p:txBody>
-      </p:sp>
-      <p:sp>
-        <p:nvSpPr>
-          <p:cNvPr id="5" name="內容版面配置區 4"/>
-          <p:cNvSpPr>
-            <a:spLocks noGrp="1"/>
-          </p:cNvSpPr>
-          <p:nvPr>
-            <p:ph idx="1"/>
-          </p:nvPr>
-        </p:nvSpPr>
-        <p:spPr/>
-        <p:txBody>
-          <a:bodyPr>
-            <a:normAutofit/>
-          </a:bodyPr>
-          <a:lstStyle/>
           <a:p>
             <a:pPr algn="ctr">
               <a:buNone/>
             </a:pPr>
             <a:r>
-              <a:rPr lang="zh-TW" altLang="en-US" sz="5400" b="1" dirty="0">
+              <a:rPr lang="zh-TW" altLang="en-US" sz="6400" b="1" dirty="0">
                 <a:solidFill>
                   <a:srgbClr val="000066"/>
                 </a:solidFill>
                 <a:latin typeface="微軟正黑體" pitchFamily="34" charset="-120"/>
                 <a:ea typeface="微軟正黑體" pitchFamily="34" charset="-120"/>
               </a:rPr>
-              <a:t>感謝神賜路旁玫瑰</a:t>
-            </a:r>
-            <a:endParaRPr lang="en-US" altLang="zh-TW" sz="5400" b="1" dirty="0">
+              <a:t>感謝神賜我安寧</a:t>
+            </a:r>
+          </a:p>
+        </p:txBody>
+      </p:sp>
+      <p:sp>
+        <p:nvSpPr>
+          <p:cNvPr id="4" name="TextBox 3"/>
+          <p:cNvSpPr txBox="1"/>
+          <p:nvPr/>
+        </p:nvSpPr>
+        <p:spPr>
+          <a:xfrm>
+            <a:off x="753979" y="2319744"/>
+            <a:ext cx="1042737" cy="1107996"/>
+          </a:xfrm>
+          <a:prstGeom prst="rect">
+            <a:avLst/>
+          </a:prstGeom>
+          <a:noFill/>
+        </p:spPr>
+        <p:txBody>
+          <a:bodyPr wrap="square" rtlCol="0">
+            <a:spAutoFit/>
+          </a:bodyPr>
+          <a:lstStyle/>
+          <a:p>
+            <a:r>
+              <a:rPr lang="en-US" sz="6600" b="1" dirty="0" smtClean="0">
+                <a:solidFill>
+                  <a:srgbClr val="000066"/>
+                </a:solidFill>
+              </a:rPr>
+              <a:t>1.</a:t>
+            </a:r>
+            <a:endParaRPr lang="vi-VN" sz="6600" b="1" dirty="0">
               <a:solidFill>
                 <a:srgbClr val="000066"/>
               </a:solidFill>
-              <a:latin typeface="微軟正黑體" pitchFamily="34" charset="-120"/>
-              <a:ea typeface="微軟正黑體" pitchFamily="34" charset="-120"/>
             </a:endParaRPr>
           </a:p>
-          <a:p>
-            <a:pPr algn="ctr">
-              <a:buNone/>
-            </a:pPr>
-            <a:r>
-              <a:rPr lang="zh-TW" altLang="en-US" sz="5400" b="1" dirty="0">
-                <a:solidFill>
-                  <a:srgbClr val="000066"/>
-                </a:solidFill>
-                <a:latin typeface="微軟正黑體" pitchFamily="34" charset="-120"/>
-                <a:ea typeface="微軟正黑體" pitchFamily="34" charset="-120"/>
-              </a:rPr>
-              <a:t>感謝神玫瑰有刺</a:t>
-            </a:r>
-            <a:endParaRPr lang="en-US" altLang="zh-TW" sz="5400" b="1" dirty="0">
-              <a:solidFill>
-                <a:srgbClr val="000066"/>
-              </a:solidFill>
-              <a:latin typeface="微軟正黑體" pitchFamily="34" charset="-120"/>
-              <a:ea typeface="微軟正黑體" pitchFamily="34" charset="-120"/>
-            </a:endParaRPr>
-          </a:p>
-          <a:p>
-            <a:pPr algn="ctr">
-              <a:buNone/>
-            </a:pPr>
-            <a:r>
-              <a:rPr lang="zh-TW" altLang="en-US" sz="5400" b="1" dirty="0">
-                <a:solidFill>
-                  <a:srgbClr val="000066"/>
-                </a:solidFill>
-                <a:latin typeface="微軟正黑體" pitchFamily="34" charset="-120"/>
-                <a:ea typeface="微軟正黑體" pitchFamily="34" charset="-120"/>
-              </a:rPr>
-              <a:t>感謝神賜家庭溫暖</a:t>
-            </a:r>
-            <a:endParaRPr lang="en-US" altLang="zh-TW" sz="5400" b="1" dirty="0">
-              <a:solidFill>
-                <a:srgbClr val="000066"/>
-              </a:solidFill>
-              <a:latin typeface="微軟正黑體" pitchFamily="34" charset="-120"/>
-              <a:ea typeface="微軟正黑體" pitchFamily="34" charset="-120"/>
-            </a:endParaRPr>
-          </a:p>
-          <a:p>
-            <a:pPr algn="ctr">
-              <a:buNone/>
-            </a:pPr>
-            <a:r>
-              <a:rPr lang="zh-TW" altLang="en-US" sz="5400" b="1" dirty="0">
-                <a:solidFill>
-                  <a:srgbClr val="000066"/>
-                </a:solidFill>
-                <a:latin typeface="微軟正黑體" pitchFamily="34" charset="-120"/>
-                <a:ea typeface="微軟正黑體" pitchFamily="34" charset="-120"/>
-              </a:rPr>
-              <a:t>感謝神賜我福氣</a:t>
-            </a:r>
-          </a:p>
         </p:txBody>
       </p:sp>
     </p:spTree>
+    <p:extLst>
+      <p:ext uri="{BB962C8B-B14F-4D97-AF65-F5344CB8AC3E}">
+        <p14:creationId xmlns:p14="http://schemas.microsoft.com/office/powerpoint/2010/main" val="3651419922"/>
+      </p:ext>
+    </p:extLst>
   </p:cSld>
   <p:clrMapOvr>
     <a:masterClrMapping/>
@@ -3923,30 +4229,40 @@
       </p:grpSpPr>
       <p:sp>
         <p:nvSpPr>
-          <p:cNvPr id="4" name="標題 3"/>
-          <p:cNvSpPr>
-            <a:spLocks noGrp="1"/>
-          </p:cNvSpPr>
-          <p:nvPr>
-            <p:ph type="title"/>
-          </p:nvPr>
-        </p:nvSpPr>
-        <p:spPr/>
-        <p:txBody>
-          <a:bodyPr/>
-          <a:lstStyle/>
-          <a:p>
-            <a:r>
-              <a:rPr lang="zh-TW" altLang="en-US" b="1" dirty="0" smtClean="0">
+          <p:cNvPr id="5" name="內容版面配置區 4"/>
+          <p:cNvSpPr>
+            <a:spLocks noGrp="1"/>
+          </p:cNvSpPr>
+          <p:nvPr>
+            <p:ph idx="1"/>
+          </p:nvPr>
+        </p:nvSpPr>
+        <p:spPr>
+          <a:xfrm>
+            <a:off x="0" y="2084851"/>
+            <a:ext cx="12192000" cy="2404863"/>
+          </a:xfrm>
+        </p:spPr>
+        <p:txBody>
+          <a:bodyPr anchor="ctr">
+            <a:noAutofit/>
+          </a:bodyPr>
+          <a:lstStyle/>
+          <a:p>
+            <a:pPr algn="ctr">
+              <a:buNone/>
+            </a:pPr>
+            <a:r>
+              <a:rPr lang="zh-TW" altLang="en-US" sz="6600" b="1" dirty="0">
                 <a:solidFill>
                   <a:srgbClr val="000066"/>
                 </a:solidFill>
                 <a:latin typeface="微軟正黑體" pitchFamily="34" charset="-120"/>
                 <a:ea typeface="微軟正黑體" pitchFamily="34" charset="-120"/>
               </a:rPr>
-              <a:t>感謝神</a:t>
-            </a:r>
-            <a:endParaRPr lang="zh-TW" altLang="en-US" b="1" dirty="0">
+              <a:t>感謝神禱告蒙應允</a:t>
+            </a:r>
+            <a:endParaRPr lang="en-US" altLang="zh-TW" sz="6600" b="1" dirty="0">
               <a:solidFill>
                 <a:srgbClr val="000066"/>
               </a:solidFill>
@@ -3954,39 +4270,21 @@
               <a:ea typeface="微軟正黑體" pitchFamily="34" charset="-120"/>
             </a:endParaRPr>
           </a:p>
-        </p:txBody>
-      </p:sp>
-      <p:sp>
-        <p:nvSpPr>
-          <p:cNvPr id="5" name="內容版面配置區 4"/>
-          <p:cNvSpPr>
-            <a:spLocks noGrp="1"/>
-          </p:cNvSpPr>
-          <p:nvPr>
-            <p:ph idx="1"/>
-          </p:nvPr>
-        </p:nvSpPr>
-        <p:spPr/>
-        <p:txBody>
-          <a:bodyPr>
-            <a:normAutofit/>
-          </a:bodyPr>
-          <a:lstStyle/>
           <a:p>
             <a:pPr algn="ctr">
               <a:buNone/>
             </a:pPr>
             <a:r>
-              <a:rPr lang="zh-TW" altLang="en-US" sz="5400" b="1" dirty="0">
+              <a:rPr lang="zh-TW" altLang="en-US" sz="6600" b="1" dirty="0">
                 <a:solidFill>
                   <a:srgbClr val="000066"/>
                 </a:solidFill>
                 <a:latin typeface="微軟正黑體" pitchFamily="34" charset="-120"/>
                 <a:ea typeface="微軟正黑體" pitchFamily="34" charset="-120"/>
               </a:rPr>
-              <a:t>感謝神賜喜樂憂愁</a:t>
-            </a:r>
-            <a:endParaRPr lang="en-US" altLang="zh-TW" sz="5400" b="1" dirty="0">
+              <a:t>感謝神禱告不聽</a:t>
+            </a:r>
+            <a:endParaRPr lang="en-US" altLang="zh-TW" sz="6600" b="1" dirty="0">
               <a:solidFill>
                 <a:srgbClr val="000066"/>
               </a:solidFill>
@@ -3994,68 +4292,60 @@
               <a:ea typeface="微軟正黑體" pitchFamily="34" charset="-120"/>
             </a:endParaRPr>
           </a:p>
-          <a:p>
-            <a:pPr algn="ctr">
-              <a:buNone/>
-            </a:pPr>
-            <a:r>
-              <a:rPr lang="zh-TW" altLang="en-US" sz="5400" b="1" dirty="0">
+        </p:txBody>
+      </p:sp>
+      <p:sp>
+        <p:nvSpPr>
+          <p:cNvPr id="4" name="TextBox 3"/>
+          <p:cNvSpPr txBox="1"/>
+          <p:nvPr/>
+        </p:nvSpPr>
+        <p:spPr>
+          <a:xfrm>
+            <a:off x="753979" y="2319744"/>
+            <a:ext cx="1042737" cy="1107996"/>
+          </a:xfrm>
+          <a:prstGeom prst="rect">
+            <a:avLst/>
+          </a:prstGeom>
+          <a:noFill/>
+        </p:spPr>
+        <p:txBody>
+          <a:bodyPr wrap="square" rtlCol="0">
+            <a:spAutoFit/>
+          </a:bodyPr>
+          <a:lstStyle/>
+          <a:p>
+            <a:r>
+              <a:rPr lang="en-US" sz="6600" b="1" dirty="0">
                 <a:solidFill>
                   <a:srgbClr val="000066"/>
                 </a:solidFill>
-                <a:latin typeface="微軟正黑體" pitchFamily="34" charset="-120"/>
-                <a:ea typeface="微軟正黑體" pitchFamily="34" charset="-120"/>
               </a:rPr>
-              <a:t>感謝神賜我平安</a:t>
-            </a:r>
-            <a:endParaRPr lang="en-US" altLang="zh-TW" sz="5400" b="1" dirty="0">
+              <a:t>2</a:t>
+            </a:r>
+            <a:r>
+              <a:rPr lang="en-US" sz="6600" b="1" dirty="0" smtClean="0">
+                <a:solidFill>
+                  <a:srgbClr val="000066"/>
+                </a:solidFill>
+              </a:rPr>
+              <a:t>.</a:t>
+            </a:r>
+            <a:endParaRPr lang="vi-VN" sz="6600" b="1" dirty="0">
               <a:solidFill>
                 <a:srgbClr val="000066"/>
               </a:solidFill>
-              <a:latin typeface="微軟正黑體" pitchFamily="34" charset="-120"/>
-              <a:ea typeface="微軟正黑體" pitchFamily="34" charset="-120"/>
             </a:endParaRPr>
           </a:p>
-          <a:p>
-            <a:pPr algn="ctr">
-              <a:buNone/>
-            </a:pPr>
-            <a:r>
-              <a:rPr lang="zh-TW" altLang="en-US" sz="5400" b="1" dirty="0">
-                <a:solidFill>
-                  <a:srgbClr val="000066"/>
-                </a:solidFill>
-                <a:latin typeface="微軟正黑體" pitchFamily="34" charset="-120"/>
-                <a:ea typeface="微軟正黑體" pitchFamily="34" charset="-120"/>
-              </a:rPr>
-              <a:t>感謝神賜明天盼望</a:t>
-            </a:r>
-            <a:endParaRPr lang="en-US" altLang="zh-TW" sz="5400" b="1" dirty="0">
-              <a:solidFill>
-                <a:srgbClr val="000066"/>
-              </a:solidFill>
-              <a:latin typeface="微軟正黑體" pitchFamily="34" charset="-120"/>
-              <a:ea typeface="微軟正黑體" pitchFamily="34" charset="-120"/>
-            </a:endParaRPr>
-          </a:p>
-          <a:p>
-            <a:pPr algn="ctr">
-              <a:buNone/>
-            </a:pPr>
-            <a:r>
-              <a:rPr lang="zh-TW" altLang="en-US" sz="5400" b="1" dirty="0">
-                <a:solidFill>
-                  <a:srgbClr val="000066"/>
-                </a:solidFill>
-                <a:latin typeface="微軟正黑體" pitchFamily="34" charset="-120"/>
-                <a:ea typeface="微軟正黑體" pitchFamily="34" charset="-120"/>
-              </a:rPr>
-              <a:t>感謝神直到永遠</a:t>
-            </a:r>
-          </a:p>
         </p:txBody>
       </p:sp>
     </p:spTree>
+    <p:extLst>
+      <p:ext uri="{BB962C8B-B14F-4D97-AF65-F5344CB8AC3E}">
+        <p14:creationId xmlns:p14="http://schemas.microsoft.com/office/powerpoint/2010/main" val="1520104986"/>
+      </p:ext>
+    </p:extLst>
   </p:cSld>
   <p:clrMapOvr>
     <a:masterClrMapping/>
@@ -4082,30 +4372,40 @@
       </p:grpSpPr>
       <p:sp>
         <p:nvSpPr>
-          <p:cNvPr id="4" name="標題 3"/>
-          <p:cNvSpPr>
-            <a:spLocks noGrp="1"/>
-          </p:cNvSpPr>
-          <p:nvPr>
-            <p:ph type="title"/>
-          </p:nvPr>
-        </p:nvSpPr>
-        <p:spPr/>
-        <p:txBody>
-          <a:bodyPr/>
-          <a:lstStyle/>
-          <a:p>
-            <a:r>
-              <a:rPr lang="zh-TW" altLang="en-US" b="1" dirty="0" smtClean="0">
+          <p:cNvPr id="5" name="內容版面配置區 4"/>
+          <p:cNvSpPr>
+            <a:spLocks noGrp="1"/>
+          </p:cNvSpPr>
+          <p:nvPr>
+            <p:ph idx="1"/>
+          </p:nvPr>
+        </p:nvSpPr>
+        <p:spPr>
+          <a:xfrm>
+            <a:off x="0" y="2084851"/>
+            <a:ext cx="12192000" cy="2404863"/>
+          </a:xfrm>
+        </p:spPr>
+        <p:txBody>
+          <a:bodyPr anchor="ctr">
+            <a:noAutofit/>
+          </a:bodyPr>
+          <a:lstStyle/>
+          <a:p>
+            <a:pPr algn="ctr">
+              <a:buNone/>
+            </a:pPr>
+            <a:r>
+              <a:rPr lang="zh-TW" altLang="en-US" sz="6600" b="1" dirty="0">
                 <a:solidFill>
                   <a:srgbClr val="000066"/>
                 </a:solidFill>
                 <a:latin typeface="微軟正黑體" pitchFamily="34" charset="-120"/>
                 <a:ea typeface="微軟正黑體" pitchFamily="34" charset="-120"/>
               </a:rPr>
-              <a:t>感謝神</a:t>
-            </a:r>
-            <a:endParaRPr lang="zh-TW" altLang="en-US" b="1" dirty="0">
+              <a:t>感謝神我曾經風暴</a:t>
+            </a:r>
+            <a:endParaRPr lang="en-US" altLang="zh-TW" sz="6600" b="1" dirty="0">
               <a:solidFill>
                 <a:srgbClr val="000066"/>
               </a:solidFill>
@@ -4113,47 +4413,368 @@
               <a:ea typeface="微軟正黑體" pitchFamily="34" charset="-120"/>
             </a:endParaRPr>
           </a:p>
-        </p:txBody>
-      </p:sp>
-      <p:sp>
-        <p:nvSpPr>
-          <p:cNvPr id="5" name="內容版面配置區 4"/>
-          <p:cNvSpPr>
-            <a:spLocks noGrp="1"/>
-          </p:cNvSpPr>
-          <p:nvPr>
-            <p:ph idx="1"/>
-          </p:nvPr>
-        </p:nvSpPr>
-        <p:spPr>
-          <a:xfrm>
-            <a:off x="1981200" y="2571745"/>
-            <a:ext cx="8229600" cy="3554419"/>
-          </a:xfrm>
-        </p:spPr>
-        <p:txBody>
-          <a:bodyPr>
-            <a:normAutofit/>
-          </a:bodyPr>
-          <a:lstStyle/>
           <a:p>
             <a:pPr algn="ctr">
               <a:buNone/>
             </a:pPr>
             <a:r>
-              <a:rPr lang="zh-TW" altLang="en-US" sz="5400" b="1" dirty="0">
+              <a:rPr lang="zh-TW" altLang="en-US" sz="6600" b="1" dirty="0">
                 <a:solidFill>
                   <a:srgbClr val="000066"/>
                 </a:solidFill>
                 <a:latin typeface="微軟正黑體" pitchFamily="34" charset="-120"/>
                 <a:ea typeface="微軟正黑體" pitchFamily="34" charset="-120"/>
               </a:rPr>
-              <a:t>阿門</a:t>
-            </a:r>
+              <a:t>感謝神豐富供應</a:t>
+            </a:r>
+            <a:endParaRPr lang="zh-TW" altLang="en-US" sz="6600" b="1" dirty="0">
+              <a:solidFill>
+                <a:srgbClr val="000066"/>
+              </a:solidFill>
+              <a:latin typeface="微軟正黑體" pitchFamily="34" charset="-120"/>
+              <a:ea typeface="微軟正黑體" pitchFamily="34" charset="-120"/>
+            </a:endParaRPr>
+          </a:p>
+        </p:txBody>
+      </p:sp>
+      <p:sp>
+        <p:nvSpPr>
+          <p:cNvPr id="4" name="TextBox 3"/>
+          <p:cNvSpPr txBox="1"/>
+          <p:nvPr/>
+        </p:nvSpPr>
+        <p:spPr>
+          <a:xfrm>
+            <a:off x="753979" y="2319744"/>
+            <a:ext cx="1042737" cy="1107996"/>
+          </a:xfrm>
+          <a:prstGeom prst="rect">
+            <a:avLst/>
+          </a:prstGeom>
+          <a:noFill/>
+        </p:spPr>
+        <p:txBody>
+          <a:bodyPr wrap="square" rtlCol="0">
+            <a:spAutoFit/>
+          </a:bodyPr>
+          <a:lstStyle/>
+          <a:p>
+            <a:r>
+              <a:rPr lang="en-US" sz="6600" b="1" dirty="0">
+                <a:solidFill>
+                  <a:srgbClr val="000066"/>
+                </a:solidFill>
+              </a:rPr>
+              <a:t>2</a:t>
+            </a:r>
+            <a:r>
+              <a:rPr lang="en-US" sz="6600" b="1" dirty="0" smtClean="0">
+                <a:solidFill>
+                  <a:srgbClr val="000066"/>
+                </a:solidFill>
+              </a:rPr>
+              <a:t>.</a:t>
+            </a:r>
+            <a:endParaRPr lang="vi-VN" sz="6600" b="1" dirty="0">
+              <a:solidFill>
+                <a:srgbClr val="000066"/>
+              </a:solidFill>
+            </a:endParaRPr>
           </a:p>
         </p:txBody>
       </p:sp>
     </p:spTree>
+    <p:extLst>
+      <p:ext uri="{BB962C8B-B14F-4D97-AF65-F5344CB8AC3E}">
+        <p14:creationId xmlns:p14="http://schemas.microsoft.com/office/powerpoint/2010/main" val="247760710"/>
+      </p:ext>
+    </p:extLst>
+  </p:cSld>
+  <p:clrMapOvr>
+    <a:masterClrMapping/>
+  </p:clrMapOvr>
+</p:sld>
+</file>
+
+<file path=ppt/slides/slide8.xml><?xml version="1.0" encoding="utf-8"?>
+<p:sld xmlns:a="http://schemas.openxmlformats.org/drawingml/2006/main" xmlns:r="http://schemas.openxmlformats.org/officeDocument/2006/relationships" xmlns:p="http://schemas.openxmlformats.org/presentationml/2006/main">
+  <p:cSld>
+    <p:spTree>
+      <p:nvGrpSpPr>
+        <p:cNvPr id="1" name=""/>
+        <p:cNvGrpSpPr/>
+        <p:nvPr/>
+      </p:nvGrpSpPr>
+      <p:grpSpPr>
+        <a:xfrm>
+          <a:off x="0" y="0"/>
+          <a:ext cx="0" cy="0"/>
+          <a:chOff x="0" y="0"/>
+          <a:chExt cx="0" cy="0"/>
+        </a:xfrm>
+      </p:grpSpPr>
+      <p:sp>
+        <p:nvSpPr>
+          <p:cNvPr id="5" name="內容版面配置區 4"/>
+          <p:cNvSpPr>
+            <a:spLocks noGrp="1"/>
+          </p:cNvSpPr>
+          <p:nvPr>
+            <p:ph idx="1"/>
+          </p:nvPr>
+        </p:nvSpPr>
+        <p:spPr>
+          <a:xfrm>
+            <a:off x="0" y="2084851"/>
+            <a:ext cx="12192000" cy="2404863"/>
+          </a:xfrm>
+        </p:spPr>
+        <p:txBody>
+          <a:bodyPr anchor="ctr">
+            <a:noAutofit/>
+          </a:bodyPr>
+          <a:lstStyle/>
+          <a:p>
+            <a:pPr algn="ctr">
+              <a:buNone/>
+            </a:pPr>
+            <a:r>
+              <a:rPr lang="zh-TW" altLang="en-US" sz="6600" b="1" dirty="0">
+                <a:solidFill>
+                  <a:srgbClr val="000066"/>
+                </a:solidFill>
+                <a:latin typeface="微軟正黑體" pitchFamily="34" charset="-120"/>
+                <a:ea typeface="微軟正黑體" pitchFamily="34" charset="-120"/>
+              </a:rPr>
+              <a:t>感謝神賜我苦與樂</a:t>
+            </a:r>
+            <a:endParaRPr lang="en-US" altLang="zh-TW" sz="6600" b="1" dirty="0">
+              <a:solidFill>
+                <a:srgbClr val="000066"/>
+              </a:solidFill>
+              <a:latin typeface="微軟正黑體" pitchFamily="34" charset="-120"/>
+              <a:ea typeface="微軟正黑體" pitchFamily="34" charset="-120"/>
+            </a:endParaRPr>
+          </a:p>
+          <a:p>
+            <a:pPr algn="ctr">
+              <a:buNone/>
+            </a:pPr>
+            <a:r>
+              <a:rPr lang="zh-TW" altLang="en-US" sz="6600" b="1" dirty="0">
+                <a:solidFill>
+                  <a:srgbClr val="000066"/>
+                </a:solidFill>
+                <a:latin typeface="微軟正黑體" pitchFamily="34" charset="-120"/>
+                <a:ea typeface="微軟正黑體" pitchFamily="34" charset="-120"/>
+              </a:rPr>
+              <a:t>感謝神賜我安慰</a:t>
+            </a:r>
+            <a:endParaRPr lang="en-US" altLang="zh-TW" sz="6600" b="1" dirty="0">
+              <a:solidFill>
+                <a:srgbClr val="000066"/>
+              </a:solidFill>
+              <a:latin typeface="微軟正黑體" pitchFamily="34" charset="-120"/>
+              <a:ea typeface="微軟正黑體" pitchFamily="34" charset="-120"/>
+            </a:endParaRPr>
+          </a:p>
+        </p:txBody>
+      </p:sp>
+      <p:sp>
+        <p:nvSpPr>
+          <p:cNvPr id="4" name="TextBox 3"/>
+          <p:cNvSpPr txBox="1"/>
+          <p:nvPr/>
+        </p:nvSpPr>
+        <p:spPr>
+          <a:xfrm>
+            <a:off x="753979" y="2319744"/>
+            <a:ext cx="1042737" cy="1107996"/>
+          </a:xfrm>
+          <a:prstGeom prst="rect">
+            <a:avLst/>
+          </a:prstGeom>
+          <a:noFill/>
+        </p:spPr>
+        <p:txBody>
+          <a:bodyPr wrap="square" rtlCol="0">
+            <a:spAutoFit/>
+          </a:bodyPr>
+          <a:lstStyle/>
+          <a:p>
+            <a:r>
+              <a:rPr lang="en-US" sz="6600" b="1" dirty="0">
+                <a:solidFill>
+                  <a:srgbClr val="000066"/>
+                </a:solidFill>
+              </a:rPr>
+              <a:t>2</a:t>
+            </a:r>
+            <a:r>
+              <a:rPr lang="en-US" sz="6600" b="1" dirty="0" smtClean="0">
+                <a:solidFill>
+                  <a:srgbClr val="000066"/>
+                </a:solidFill>
+              </a:rPr>
+              <a:t>.</a:t>
+            </a:r>
+            <a:endParaRPr lang="vi-VN" sz="6600" b="1" dirty="0">
+              <a:solidFill>
+                <a:srgbClr val="000066"/>
+              </a:solidFill>
+            </a:endParaRPr>
+          </a:p>
+        </p:txBody>
+      </p:sp>
+    </p:spTree>
+    <p:extLst>
+      <p:ext uri="{BB962C8B-B14F-4D97-AF65-F5344CB8AC3E}">
+        <p14:creationId xmlns:p14="http://schemas.microsoft.com/office/powerpoint/2010/main" val="23856861"/>
+      </p:ext>
+    </p:extLst>
+  </p:cSld>
+  <p:clrMapOvr>
+    <a:masterClrMapping/>
+  </p:clrMapOvr>
+</p:sld>
+</file>
+
+<file path=ppt/slides/slide9.xml><?xml version="1.0" encoding="utf-8"?>
+<p:sld xmlns:a="http://schemas.openxmlformats.org/drawingml/2006/main" xmlns:r="http://schemas.openxmlformats.org/officeDocument/2006/relationships" xmlns:p="http://schemas.openxmlformats.org/presentationml/2006/main">
+  <p:cSld>
+    <p:spTree>
+      <p:nvGrpSpPr>
+        <p:cNvPr id="1" name=""/>
+        <p:cNvGrpSpPr/>
+        <p:nvPr/>
+      </p:nvGrpSpPr>
+      <p:grpSpPr>
+        <a:xfrm>
+          <a:off x="0" y="0"/>
+          <a:ext cx="0" cy="0"/>
+          <a:chOff x="0" y="0"/>
+          <a:chExt cx="0" cy="0"/>
+        </a:xfrm>
+      </p:grpSpPr>
+      <p:sp>
+        <p:nvSpPr>
+          <p:cNvPr id="5" name="內容版面配置區 4"/>
+          <p:cNvSpPr>
+            <a:spLocks noGrp="1"/>
+          </p:cNvSpPr>
+          <p:nvPr>
+            <p:ph idx="1"/>
+          </p:nvPr>
+        </p:nvSpPr>
+        <p:spPr>
+          <a:xfrm>
+            <a:off x="0" y="2084851"/>
+            <a:ext cx="12192000" cy="2404863"/>
+          </a:xfrm>
+        </p:spPr>
+        <p:txBody>
+          <a:bodyPr anchor="ctr">
+            <a:noAutofit/>
+          </a:bodyPr>
+          <a:lstStyle/>
+          <a:p>
+            <a:pPr algn="ctr">
+              <a:buNone/>
+            </a:pPr>
+            <a:r>
+              <a:rPr lang="zh-TW" altLang="en-US" sz="6600" b="1" dirty="0">
+                <a:solidFill>
+                  <a:srgbClr val="000066"/>
+                </a:solidFill>
+                <a:latin typeface="微軟正黑體" pitchFamily="34" charset="-120"/>
+                <a:ea typeface="微軟正黑體" pitchFamily="34" charset="-120"/>
+              </a:rPr>
+              <a:t>感謝神賜無限恩典</a:t>
+            </a:r>
+            <a:endParaRPr lang="en-US" altLang="zh-TW" sz="6600" b="1" dirty="0">
+              <a:solidFill>
+                <a:srgbClr val="000066"/>
+              </a:solidFill>
+              <a:latin typeface="微軟正黑體" pitchFamily="34" charset="-120"/>
+              <a:ea typeface="微軟正黑體" pitchFamily="34" charset="-120"/>
+            </a:endParaRPr>
+          </a:p>
+          <a:p>
+            <a:pPr algn="ctr">
+              <a:buNone/>
+            </a:pPr>
+            <a:r>
+              <a:rPr lang="zh-TW" altLang="en-US" sz="6600" b="1" dirty="0">
+                <a:solidFill>
+                  <a:srgbClr val="000066"/>
+                </a:solidFill>
+                <a:latin typeface="微軟正黑體" pitchFamily="34" charset="-120"/>
+                <a:ea typeface="微軟正黑體" pitchFamily="34" charset="-120"/>
+              </a:rPr>
+              <a:t>感謝神無比大愛</a:t>
+            </a:r>
+            <a:endParaRPr lang="zh-TW" altLang="en-US" sz="6600" b="1" dirty="0">
+              <a:solidFill>
+                <a:srgbClr val="000066"/>
+              </a:solidFill>
+              <a:latin typeface="微軟正黑體" pitchFamily="34" charset="-120"/>
+              <a:ea typeface="微軟正黑體" pitchFamily="34" charset="-120"/>
+            </a:endParaRPr>
+          </a:p>
+        </p:txBody>
+      </p:sp>
+      <p:sp>
+        <p:nvSpPr>
+          <p:cNvPr id="4" name="TextBox 3"/>
+          <p:cNvSpPr txBox="1"/>
+          <p:nvPr/>
+        </p:nvSpPr>
+        <p:spPr>
+          <a:xfrm>
+            <a:off x="753979" y="2319744"/>
+            <a:ext cx="1042737" cy="1107996"/>
+          </a:xfrm>
+          <a:prstGeom prst="rect">
+            <a:avLst/>
+          </a:prstGeom>
+          <a:noFill/>
+        </p:spPr>
+        <p:txBody>
+          <a:bodyPr wrap="square" rtlCol="0">
+            <a:spAutoFit/>
+          </a:bodyPr>
+          <a:lstStyle/>
+          <a:p>
+            <a:r>
+              <a:rPr lang="en-US" sz="6600" b="1" dirty="0">
+                <a:solidFill>
+                  <a:srgbClr val="000066"/>
+                </a:solidFill>
+              </a:rPr>
+              <a:t>2</a:t>
+            </a:r>
+            <a:r>
+              <a:rPr lang="en-US" sz="6600" b="1" dirty="0" smtClean="0">
+                <a:solidFill>
+                  <a:srgbClr val="000066"/>
+                </a:solidFill>
+              </a:rPr>
+              <a:t>.</a:t>
+            </a:r>
+            <a:endParaRPr lang="vi-VN" sz="6600" b="1" dirty="0">
+              <a:solidFill>
+                <a:srgbClr val="000066"/>
+              </a:solidFill>
+            </a:endParaRPr>
+          </a:p>
+        </p:txBody>
+      </p:sp>
+    </p:spTree>
+    <p:extLst>
+      <p:ext uri="{BB962C8B-B14F-4D97-AF65-F5344CB8AC3E}">
+        <p14:creationId xmlns:p14="http://schemas.microsoft.com/office/powerpoint/2010/main" val="2123720310"/>
+      </p:ext>
+    </p:extLst>
   </p:cSld>
   <p:clrMapOvr>
     <a:masterClrMapping/>
